--- a/Map_for_indor/f11_f4.pptx
+++ b/Map_for_indor/f11_f4.pptx
@@ -104,6 +104,11 @@
       </a:defRPr>
     </a:lvl9pPr>
   </p:defaultTextStyle>
+  <p:extLst>
+    <p:ext uri="{EFAFB233-063F-42B5-8137-9DF3F51BA10A}">
+      <p15:sldGuideLst xmlns:p15="http://schemas.microsoft.com/office/powerpoint/2012/main"/>
+    </p:ext>
+  </p:extLst>
 </p:presentation>
 </file>
 
@@ -256,7 +261,7 @@
           <a:p>
             <a:fld id="{8DA69B62-21FD-426E-8EDB-0CAF9AFCA269}" type="datetimeFigureOut">
               <a:rPr lang="th-TH" smtClean="0"/>
-              <a:t>25/12/66</a:t>
+              <a:t>29/12/66</a:t>
             </a:fld>
             <a:endParaRPr lang="th-TH"/>
           </a:p>
@@ -456,7 +461,7 @@
           <a:p>
             <a:fld id="{8DA69B62-21FD-426E-8EDB-0CAF9AFCA269}" type="datetimeFigureOut">
               <a:rPr lang="th-TH" smtClean="0"/>
-              <a:t>25/12/66</a:t>
+              <a:t>29/12/66</a:t>
             </a:fld>
             <a:endParaRPr lang="th-TH"/>
           </a:p>
@@ -666,7 +671,7 @@
           <a:p>
             <a:fld id="{8DA69B62-21FD-426E-8EDB-0CAF9AFCA269}" type="datetimeFigureOut">
               <a:rPr lang="th-TH" smtClean="0"/>
-              <a:t>25/12/66</a:t>
+              <a:t>29/12/66</a:t>
             </a:fld>
             <a:endParaRPr lang="th-TH"/>
           </a:p>
@@ -866,7 +871,7 @@
           <a:p>
             <a:fld id="{8DA69B62-21FD-426E-8EDB-0CAF9AFCA269}" type="datetimeFigureOut">
               <a:rPr lang="th-TH" smtClean="0"/>
-              <a:t>25/12/66</a:t>
+              <a:t>29/12/66</a:t>
             </a:fld>
             <a:endParaRPr lang="th-TH"/>
           </a:p>
@@ -1142,7 +1147,7 @@
           <a:p>
             <a:fld id="{8DA69B62-21FD-426E-8EDB-0CAF9AFCA269}" type="datetimeFigureOut">
               <a:rPr lang="th-TH" smtClean="0"/>
-              <a:t>25/12/66</a:t>
+              <a:t>29/12/66</a:t>
             </a:fld>
             <a:endParaRPr lang="th-TH"/>
           </a:p>
@@ -1410,7 +1415,7 @@
           <a:p>
             <a:fld id="{8DA69B62-21FD-426E-8EDB-0CAF9AFCA269}" type="datetimeFigureOut">
               <a:rPr lang="th-TH" smtClean="0"/>
-              <a:t>25/12/66</a:t>
+              <a:t>29/12/66</a:t>
             </a:fld>
             <a:endParaRPr lang="th-TH"/>
           </a:p>
@@ -1825,7 +1830,7 @@
           <a:p>
             <a:fld id="{8DA69B62-21FD-426E-8EDB-0CAF9AFCA269}" type="datetimeFigureOut">
               <a:rPr lang="th-TH" smtClean="0"/>
-              <a:t>25/12/66</a:t>
+              <a:t>29/12/66</a:t>
             </a:fld>
             <a:endParaRPr lang="th-TH"/>
           </a:p>
@@ -1967,7 +1972,7 @@
           <a:p>
             <a:fld id="{8DA69B62-21FD-426E-8EDB-0CAF9AFCA269}" type="datetimeFigureOut">
               <a:rPr lang="th-TH" smtClean="0"/>
-              <a:t>25/12/66</a:t>
+              <a:t>29/12/66</a:t>
             </a:fld>
             <a:endParaRPr lang="th-TH"/>
           </a:p>
@@ -2080,7 +2085,7 @@
           <a:p>
             <a:fld id="{8DA69B62-21FD-426E-8EDB-0CAF9AFCA269}" type="datetimeFigureOut">
               <a:rPr lang="th-TH" smtClean="0"/>
-              <a:t>25/12/66</a:t>
+              <a:t>29/12/66</a:t>
             </a:fld>
             <a:endParaRPr lang="th-TH"/>
           </a:p>
@@ -2393,7 +2398,7 @@
           <a:p>
             <a:fld id="{8DA69B62-21FD-426E-8EDB-0CAF9AFCA269}" type="datetimeFigureOut">
               <a:rPr lang="th-TH" smtClean="0"/>
-              <a:t>25/12/66</a:t>
+              <a:t>29/12/66</a:t>
             </a:fld>
             <a:endParaRPr lang="th-TH"/>
           </a:p>
@@ -2682,7 +2687,7 @@
           <a:p>
             <a:fld id="{8DA69B62-21FD-426E-8EDB-0CAF9AFCA269}" type="datetimeFigureOut">
               <a:rPr lang="th-TH" smtClean="0"/>
-              <a:t>25/12/66</a:t>
+              <a:t>29/12/66</a:t>
             </a:fld>
             <a:endParaRPr lang="th-TH"/>
           </a:p>
@@ -2925,7 +2930,7 @@
           <a:p>
             <a:fld id="{8DA69B62-21FD-426E-8EDB-0CAF9AFCA269}" type="datetimeFigureOut">
               <a:rPr lang="th-TH" smtClean="0"/>
-              <a:t>25/12/66</a:t>
+              <a:t>29/12/66</a:t>
             </a:fld>
             <a:endParaRPr lang="th-TH"/>
           </a:p>
@@ -3344,10 +3349,10 @@
       </p:grpSpPr>
       <p:grpSp>
         <p:nvGrpSpPr>
-          <p:cNvPr id="58" name="Group 57">
-            <a:extLst>
-              <a:ext uri="{FF2B5EF4-FFF2-40B4-BE49-F238E27FC236}">
-                <a16:creationId xmlns:a16="http://schemas.microsoft.com/office/drawing/2014/main" id="{18BFAC0F-F67B-057A-C172-E431A9DDFAC0}"/>
+          <p:cNvPr id="2" name="Group 1">
+            <a:extLst>
+              <a:ext uri="{FF2B5EF4-FFF2-40B4-BE49-F238E27FC236}">
+                <a16:creationId xmlns:a16="http://schemas.microsoft.com/office/drawing/2014/main" id="{900EDBD6-EADD-454F-6F60-9D56BD224026}"/>
               </a:ext>
             </a:extLst>
           </p:cNvPr>
@@ -3358,70 +3363,2328 @@
           <a:xfrm>
             <a:off x="2666817" y="153861"/>
             <a:ext cx="5616682" cy="6396632"/>
-            <a:chOff x="2986413" y="-236757"/>
+            <a:chOff x="2666817" y="153861"/>
             <a:chExt cx="5616682" cy="6396632"/>
           </a:xfrm>
         </p:grpSpPr>
-        <p:sp>
-          <p:nvSpPr>
-            <p:cNvPr id="29" name="Rectangle 28">
+        <p:grpSp>
+          <p:nvGrpSpPr>
+            <p:cNvPr id="58" name="Group 57">
               <a:extLst>
                 <a:ext uri="{FF2B5EF4-FFF2-40B4-BE49-F238E27FC236}">
-                  <a16:creationId xmlns:a16="http://schemas.microsoft.com/office/drawing/2014/main" id="{401923F0-E6AB-0FEC-B5C4-91E59B04C84C}"/>
+                  <a16:creationId xmlns:a16="http://schemas.microsoft.com/office/drawing/2014/main" id="{18BFAC0F-F67B-057A-C172-E431A9DDFAC0}"/>
                 </a:ext>
               </a:extLst>
             </p:cNvPr>
-            <p:cNvSpPr/>
+            <p:cNvGrpSpPr/>
             <p:nvPr/>
-          </p:nvSpPr>
-          <p:spPr>
-            <a:xfrm rot="5400000">
-              <a:off x="2344164" y="1683563"/>
-              <a:ext cx="3213899" cy="1916473"/>
+          </p:nvGrpSpPr>
+          <p:grpSpPr>
+            <a:xfrm>
+              <a:off x="2666817" y="153861"/>
+              <a:ext cx="5616682" cy="6396632"/>
+              <a:chOff x="2986413" y="-236757"/>
+              <a:chExt cx="5616682" cy="6396632"/>
             </a:xfrm>
-            <a:prstGeom prst="rect">
-              <a:avLst/>
-            </a:prstGeom>
-            <a:solidFill>
-              <a:schemeClr val="bg1">
-                <a:lumMod val="65000"/>
-              </a:schemeClr>
-            </a:solidFill>
-            <a:ln>
-              <a:noFill/>
-            </a:ln>
-          </p:spPr>
-          <p:style>
-            <a:lnRef idx="2">
-              <a:schemeClr val="accent3">
-                <a:shade val="15000"/>
-              </a:schemeClr>
-            </a:lnRef>
-            <a:fillRef idx="1">
-              <a:schemeClr val="accent3"/>
-            </a:fillRef>
-            <a:effectRef idx="0">
-              <a:schemeClr val="accent3"/>
-            </a:effectRef>
-            <a:fontRef idx="minor">
-              <a:schemeClr val="lt1"/>
-            </a:fontRef>
-          </p:style>
-          <p:txBody>
-            <a:bodyPr rtlCol="0" anchor="ctr"/>
-            <a:lstStyle/>
-            <a:p>
-              <a:pPr algn="ctr"/>
-              <a:endParaRPr lang="th-TH" sz="1800"/>
-            </a:p>
-          </p:txBody>
-        </p:sp>
+          </p:grpSpPr>
+          <p:sp>
+            <p:nvSpPr>
+              <p:cNvPr id="29" name="Rectangle 28">
+                <a:extLst>
+                  <a:ext uri="{FF2B5EF4-FFF2-40B4-BE49-F238E27FC236}">
+                    <a16:creationId xmlns:a16="http://schemas.microsoft.com/office/drawing/2014/main" id="{401923F0-E6AB-0FEC-B5C4-91E59B04C84C}"/>
+                  </a:ext>
+                </a:extLst>
+              </p:cNvPr>
+              <p:cNvSpPr/>
+              <p:nvPr/>
+            </p:nvSpPr>
+            <p:spPr>
+              <a:xfrm rot="5400000">
+                <a:off x="2344164" y="1683563"/>
+                <a:ext cx="3213899" cy="1916473"/>
+              </a:xfrm>
+              <a:prstGeom prst="rect">
+                <a:avLst/>
+              </a:prstGeom>
+              <a:solidFill>
+                <a:schemeClr val="bg1">
+                  <a:lumMod val="65000"/>
+                </a:schemeClr>
+              </a:solidFill>
+              <a:ln>
+                <a:noFill/>
+              </a:ln>
+            </p:spPr>
+            <p:style>
+              <a:lnRef idx="2">
+                <a:schemeClr val="accent3">
+                  <a:shade val="15000"/>
+                </a:schemeClr>
+              </a:lnRef>
+              <a:fillRef idx="1">
+                <a:schemeClr val="accent3"/>
+              </a:fillRef>
+              <a:effectRef idx="0">
+                <a:schemeClr val="accent3"/>
+              </a:effectRef>
+              <a:fontRef idx="minor">
+                <a:schemeClr val="lt1"/>
+              </a:fontRef>
+            </p:style>
+            <p:txBody>
+              <a:bodyPr rtlCol="0" anchor="ctr"/>
+              <a:lstStyle/>
+              <a:p>
+                <a:pPr algn="ctr"/>
+                <a:endParaRPr lang="th-TH" sz="1800"/>
+              </a:p>
+            </p:txBody>
+          </p:sp>
+          <p:sp>
+            <p:nvSpPr>
+              <p:cNvPr id="32" name="Rectangle 31">
+                <a:extLst>
+                  <a:ext uri="{FF2B5EF4-FFF2-40B4-BE49-F238E27FC236}">
+                    <a16:creationId xmlns:a16="http://schemas.microsoft.com/office/drawing/2014/main" id="{9D861073-CA69-96FC-B59B-6CE60B73CE6C}"/>
+                  </a:ext>
+                </a:extLst>
+              </p:cNvPr>
+              <p:cNvSpPr/>
+              <p:nvPr/>
+            </p:nvSpPr>
+            <p:spPr>
+              <a:xfrm>
+                <a:off x="4633181" y="5069515"/>
+                <a:ext cx="2860991" cy="604652"/>
+              </a:xfrm>
+              <a:prstGeom prst="rect">
+                <a:avLst/>
+              </a:prstGeom>
+              <a:ln>
+                <a:noFill/>
+              </a:ln>
+            </p:spPr>
+            <p:style>
+              <a:lnRef idx="2">
+                <a:schemeClr val="accent3">
+                  <a:shade val="15000"/>
+                </a:schemeClr>
+              </a:lnRef>
+              <a:fillRef idx="1">
+                <a:schemeClr val="accent3"/>
+              </a:fillRef>
+              <a:effectRef idx="0">
+                <a:schemeClr val="accent3"/>
+              </a:effectRef>
+              <a:fontRef idx="minor">
+                <a:schemeClr val="lt1"/>
+              </a:fontRef>
+            </p:style>
+            <p:txBody>
+              <a:bodyPr rtlCol="0" anchor="ctr"/>
+              <a:lstStyle/>
+              <a:p>
+                <a:pPr algn="ctr"/>
+                <a:endParaRPr lang="th-TH" sz="1800"/>
+              </a:p>
+            </p:txBody>
+          </p:sp>
+          <p:sp>
+            <p:nvSpPr>
+              <p:cNvPr id="23" name="Rectangle 22">
+                <a:extLst>
+                  <a:ext uri="{FF2B5EF4-FFF2-40B4-BE49-F238E27FC236}">
+                    <a16:creationId xmlns:a16="http://schemas.microsoft.com/office/drawing/2014/main" id="{27C354A2-A084-5804-4D65-A20AE84ADC99}"/>
+                  </a:ext>
+                </a:extLst>
+              </p:cNvPr>
+              <p:cNvSpPr/>
+              <p:nvPr/>
+            </p:nvSpPr>
+            <p:spPr>
+              <a:xfrm>
+                <a:off x="3378805" y="1033949"/>
+                <a:ext cx="3738502" cy="576975"/>
+              </a:xfrm>
+              <a:prstGeom prst="rect">
+                <a:avLst/>
+              </a:prstGeom>
+              <a:ln>
+                <a:noFill/>
+              </a:ln>
+            </p:spPr>
+            <p:style>
+              <a:lnRef idx="2">
+                <a:schemeClr val="accent3">
+                  <a:shade val="15000"/>
+                </a:schemeClr>
+              </a:lnRef>
+              <a:fillRef idx="1">
+                <a:schemeClr val="accent3"/>
+              </a:fillRef>
+              <a:effectRef idx="0">
+                <a:schemeClr val="accent3"/>
+              </a:effectRef>
+              <a:fontRef idx="minor">
+                <a:schemeClr val="lt1"/>
+              </a:fontRef>
+            </p:style>
+            <p:txBody>
+              <a:bodyPr rtlCol="0" anchor="ctr"/>
+              <a:lstStyle/>
+              <a:p>
+                <a:pPr algn="ctr"/>
+                <a:endParaRPr lang="th-TH" sz="1800"/>
+              </a:p>
+            </p:txBody>
+          </p:sp>
+          <p:sp>
+            <p:nvSpPr>
+              <p:cNvPr id="11" name="Rectangle 10">
+                <a:extLst>
+                  <a:ext uri="{FF2B5EF4-FFF2-40B4-BE49-F238E27FC236}">
+                    <a16:creationId xmlns:a16="http://schemas.microsoft.com/office/drawing/2014/main" id="{6BA12EF1-9779-7238-34AF-FF484BB59DA0}"/>
+                  </a:ext>
+                </a:extLst>
+              </p:cNvPr>
+              <p:cNvSpPr/>
+              <p:nvPr/>
+            </p:nvSpPr>
+            <p:spPr>
+              <a:xfrm rot="19682726">
+                <a:off x="5457748" y="338238"/>
+                <a:ext cx="2893429" cy="2191873"/>
+              </a:xfrm>
+              <a:prstGeom prst="rect">
+                <a:avLst/>
+              </a:prstGeom>
+              <a:ln>
+                <a:noFill/>
+              </a:ln>
+            </p:spPr>
+            <p:style>
+              <a:lnRef idx="2">
+                <a:schemeClr val="accent3">
+                  <a:shade val="15000"/>
+                </a:schemeClr>
+              </a:lnRef>
+              <a:fillRef idx="1">
+                <a:schemeClr val="accent3"/>
+              </a:fillRef>
+              <a:effectRef idx="0">
+                <a:schemeClr val="accent3"/>
+              </a:effectRef>
+              <a:fontRef idx="minor">
+                <a:schemeClr val="lt1"/>
+              </a:fontRef>
+            </p:style>
+            <p:txBody>
+              <a:bodyPr rtlCol="0" anchor="ctr"/>
+              <a:lstStyle/>
+              <a:p>
+                <a:pPr algn="ctr"/>
+                <a:endParaRPr lang="th-TH" sz="1800"/>
+              </a:p>
+            </p:txBody>
+          </p:sp>
+          <p:sp>
+            <p:nvSpPr>
+              <p:cNvPr id="12" name="Rectangle 11">
+                <a:extLst>
+                  <a:ext uri="{FF2B5EF4-FFF2-40B4-BE49-F238E27FC236}">
+                    <a16:creationId xmlns:a16="http://schemas.microsoft.com/office/drawing/2014/main" id="{428B50EC-EA36-249A-9C57-BE26A90E452D}"/>
+                  </a:ext>
+                </a:extLst>
+              </p:cNvPr>
+              <p:cNvSpPr/>
+              <p:nvPr/>
+            </p:nvSpPr>
+            <p:spPr>
+              <a:xfrm rot="19682726">
+                <a:off x="6412689" y="410279"/>
+                <a:ext cx="590045" cy="1671378"/>
+              </a:xfrm>
+              <a:prstGeom prst="rect">
+                <a:avLst/>
+              </a:prstGeom>
+              <a:solidFill>
+                <a:schemeClr val="accent4">
+                  <a:lumMod val="40000"/>
+                  <a:lumOff val="60000"/>
+                </a:schemeClr>
+              </a:solidFill>
+              <a:ln>
+                <a:noFill/>
+              </a:ln>
+            </p:spPr>
+            <p:style>
+              <a:lnRef idx="2">
+                <a:schemeClr val="accent4">
+                  <a:shade val="15000"/>
+                </a:schemeClr>
+              </a:lnRef>
+              <a:fillRef idx="1">
+                <a:schemeClr val="accent4"/>
+              </a:fillRef>
+              <a:effectRef idx="0">
+                <a:schemeClr val="accent4"/>
+              </a:effectRef>
+              <a:fontRef idx="minor">
+                <a:schemeClr val="lt1"/>
+              </a:fontRef>
+            </p:style>
+            <p:txBody>
+              <a:bodyPr rtlCol="0" anchor="ctr"/>
+              <a:lstStyle/>
+              <a:p>
+                <a:pPr algn="ctr"/>
+                <a:r>
+                  <a:rPr lang="en-US" sz="1800" dirty="0"/>
+                  <a:t>421</a:t>
+                </a:r>
+                <a:endParaRPr lang="th-TH" sz="1800" dirty="0"/>
+              </a:p>
+            </p:txBody>
+          </p:sp>
+          <p:sp>
+            <p:nvSpPr>
+              <p:cNvPr id="13" name="Rectangle 12">
+                <a:extLst>
+                  <a:ext uri="{FF2B5EF4-FFF2-40B4-BE49-F238E27FC236}">
+                    <a16:creationId xmlns:a16="http://schemas.microsoft.com/office/drawing/2014/main" id="{EF0BB183-0A5B-8363-1F8F-F95D750D323D}"/>
+                  </a:ext>
+                </a:extLst>
+              </p:cNvPr>
+              <p:cNvSpPr/>
+              <p:nvPr/>
+            </p:nvSpPr>
+            <p:spPr>
+              <a:xfrm rot="19682726">
+                <a:off x="6870279" y="129610"/>
+                <a:ext cx="562682" cy="1672521"/>
+              </a:xfrm>
+              <a:prstGeom prst="rect">
+                <a:avLst/>
+              </a:prstGeom>
+              <a:solidFill>
+                <a:schemeClr val="accent4">
+                  <a:lumMod val="60000"/>
+                  <a:lumOff val="40000"/>
+                </a:schemeClr>
+              </a:solidFill>
+              <a:ln>
+                <a:noFill/>
+              </a:ln>
+            </p:spPr>
+            <p:style>
+              <a:lnRef idx="2">
+                <a:schemeClr val="accent4">
+                  <a:shade val="15000"/>
+                </a:schemeClr>
+              </a:lnRef>
+              <a:fillRef idx="1">
+                <a:schemeClr val="accent4"/>
+              </a:fillRef>
+              <a:effectRef idx="0">
+                <a:schemeClr val="accent4"/>
+              </a:effectRef>
+              <a:fontRef idx="minor">
+                <a:schemeClr val="lt1"/>
+              </a:fontRef>
+            </p:style>
+            <p:txBody>
+              <a:bodyPr rtlCol="0" anchor="ctr"/>
+              <a:lstStyle/>
+              <a:p>
+                <a:pPr algn="ctr"/>
+                <a:r>
+                  <a:rPr lang="en-US" sz="1800" dirty="0"/>
+                  <a:t>422</a:t>
+                </a:r>
+                <a:endParaRPr lang="th-TH" sz="1800" dirty="0"/>
+              </a:p>
+            </p:txBody>
+          </p:sp>
+          <p:sp>
+            <p:nvSpPr>
+              <p:cNvPr id="20" name="Rectangle 19">
+                <a:extLst>
+                  <a:ext uri="{FF2B5EF4-FFF2-40B4-BE49-F238E27FC236}">
+                    <a16:creationId xmlns:a16="http://schemas.microsoft.com/office/drawing/2014/main" id="{6C2FD347-F56A-96DD-EDB8-7D4CD04339FA}"/>
+                  </a:ext>
+                </a:extLst>
+              </p:cNvPr>
+              <p:cNvSpPr/>
+              <p:nvPr/>
+            </p:nvSpPr>
+            <p:spPr>
+              <a:xfrm>
+                <a:off x="6719560" y="2253058"/>
+                <a:ext cx="539222" cy="3885792"/>
+              </a:xfrm>
+              <a:prstGeom prst="rect">
+                <a:avLst/>
+              </a:prstGeom>
+              <a:ln>
+                <a:noFill/>
+              </a:ln>
+            </p:spPr>
+            <p:style>
+              <a:lnRef idx="2">
+                <a:schemeClr val="accent3">
+                  <a:shade val="15000"/>
+                </a:schemeClr>
+              </a:lnRef>
+              <a:fillRef idx="1">
+                <a:schemeClr val="accent3"/>
+              </a:fillRef>
+              <a:effectRef idx="0">
+                <a:schemeClr val="accent3"/>
+              </a:effectRef>
+              <a:fontRef idx="minor">
+                <a:schemeClr val="lt1"/>
+              </a:fontRef>
+            </p:style>
+            <p:txBody>
+              <a:bodyPr rtlCol="0" anchor="ctr"/>
+              <a:lstStyle/>
+              <a:p>
+                <a:pPr algn="ctr"/>
+                <a:endParaRPr lang="th-TH" sz="1800"/>
+              </a:p>
+            </p:txBody>
+          </p:sp>
+          <p:sp>
+            <p:nvSpPr>
+              <p:cNvPr id="21" name="Rectangle 20">
+                <a:extLst>
+                  <a:ext uri="{FF2B5EF4-FFF2-40B4-BE49-F238E27FC236}">
+                    <a16:creationId xmlns:a16="http://schemas.microsoft.com/office/drawing/2014/main" id="{B6814923-994B-8506-5E6E-8E6F599CE7EE}"/>
+                  </a:ext>
+                </a:extLst>
+              </p:cNvPr>
+              <p:cNvSpPr/>
+              <p:nvPr/>
+            </p:nvSpPr>
+            <p:spPr>
+              <a:xfrm>
+                <a:off x="6438157" y="2475607"/>
+                <a:ext cx="539222" cy="981698"/>
+              </a:xfrm>
+              <a:prstGeom prst="rect">
+                <a:avLst/>
+              </a:prstGeom>
+              <a:ln>
+                <a:noFill/>
+              </a:ln>
+            </p:spPr>
+            <p:style>
+              <a:lnRef idx="2">
+                <a:schemeClr val="accent3">
+                  <a:shade val="15000"/>
+                </a:schemeClr>
+              </a:lnRef>
+              <a:fillRef idx="1">
+                <a:schemeClr val="accent3"/>
+              </a:fillRef>
+              <a:effectRef idx="0">
+                <a:schemeClr val="accent3"/>
+              </a:effectRef>
+              <a:fontRef idx="minor">
+                <a:schemeClr val="lt1"/>
+              </a:fontRef>
+            </p:style>
+            <p:txBody>
+              <a:bodyPr rtlCol="0" anchor="ctr"/>
+              <a:lstStyle/>
+              <a:p>
+                <a:pPr algn="ctr"/>
+                <a:endParaRPr lang="th-TH" sz="1800"/>
+              </a:p>
+            </p:txBody>
+          </p:sp>
+          <p:sp>
+            <p:nvSpPr>
+              <p:cNvPr id="19" name="Rectangle 18">
+                <a:extLst>
+                  <a:ext uri="{FF2B5EF4-FFF2-40B4-BE49-F238E27FC236}">
+                    <a16:creationId xmlns:a16="http://schemas.microsoft.com/office/drawing/2014/main" id="{8ACB37DD-8110-ACFD-5D07-85649774AFCE}"/>
+                  </a:ext>
+                </a:extLst>
+              </p:cNvPr>
+              <p:cNvSpPr/>
+              <p:nvPr/>
+            </p:nvSpPr>
+            <p:spPr>
+              <a:xfrm rot="19682726">
+                <a:off x="5852306" y="1367105"/>
+                <a:ext cx="747588" cy="2047501"/>
+              </a:xfrm>
+              <a:prstGeom prst="rect">
+                <a:avLst/>
+              </a:prstGeom>
+              <a:ln>
+                <a:noFill/>
+              </a:ln>
+            </p:spPr>
+            <p:style>
+              <a:lnRef idx="2">
+                <a:schemeClr val="accent3">
+                  <a:shade val="15000"/>
+                </a:schemeClr>
+              </a:lnRef>
+              <a:fillRef idx="1">
+                <a:schemeClr val="accent3"/>
+              </a:fillRef>
+              <a:effectRef idx="0">
+                <a:schemeClr val="accent3"/>
+              </a:effectRef>
+              <a:fontRef idx="minor">
+                <a:schemeClr val="lt1"/>
+              </a:fontRef>
+            </p:style>
+            <p:txBody>
+              <a:bodyPr rtlCol="0" anchor="ctr"/>
+              <a:lstStyle/>
+              <a:p>
+                <a:pPr algn="ctr"/>
+                <a:endParaRPr lang="th-TH" sz="1800"/>
+              </a:p>
+            </p:txBody>
+          </p:sp>
+          <p:sp>
+            <p:nvSpPr>
+              <p:cNvPr id="8" name="Rectangle 7">
+                <a:extLst>
+                  <a:ext uri="{FF2B5EF4-FFF2-40B4-BE49-F238E27FC236}">
+                    <a16:creationId xmlns:a16="http://schemas.microsoft.com/office/drawing/2014/main" id="{12AB7109-BAAE-6954-6877-E4A582689C5A}"/>
+                  </a:ext>
+                </a:extLst>
+              </p:cNvPr>
+              <p:cNvSpPr/>
+              <p:nvPr/>
+            </p:nvSpPr>
+            <p:spPr>
+              <a:xfrm rot="19682726">
+                <a:off x="7470699" y="-236757"/>
+                <a:ext cx="720552" cy="2191873"/>
+              </a:xfrm>
+              <a:prstGeom prst="rect">
+                <a:avLst/>
+              </a:prstGeom>
+              <a:ln>
+                <a:noFill/>
+              </a:ln>
+            </p:spPr>
+            <p:style>
+              <a:lnRef idx="2">
+                <a:schemeClr val="accent4">
+                  <a:shade val="15000"/>
+                </a:schemeClr>
+              </a:lnRef>
+              <a:fillRef idx="1">
+                <a:schemeClr val="accent4"/>
+              </a:fillRef>
+              <a:effectRef idx="0">
+                <a:schemeClr val="accent4"/>
+              </a:effectRef>
+              <a:fontRef idx="minor">
+                <a:schemeClr val="lt1"/>
+              </a:fontRef>
+            </p:style>
+            <p:txBody>
+              <a:bodyPr rtlCol="0" anchor="ctr"/>
+              <a:lstStyle/>
+              <a:p>
+                <a:pPr algn="ctr"/>
+                <a:r>
+                  <a:rPr lang="en-US" sz="1800" dirty="0"/>
+                  <a:t>423</a:t>
+                </a:r>
+              </a:p>
+            </p:txBody>
+          </p:sp>
+          <p:sp>
+            <p:nvSpPr>
+              <p:cNvPr id="14" name="Rectangle 13">
+                <a:extLst>
+                  <a:ext uri="{FF2B5EF4-FFF2-40B4-BE49-F238E27FC236}">
+                    <a16:creationId xmlns:a16="http://schemas.microsoft.com/office/drawing/2014/main" id="{5DE53D87-EA5D-09EF-EBE6-85C8A5A3FE0A}"/>
+                  </a:ext>
+                </a:extLst>
+              </p:cNvPr>
+              <p:cNvSpPr/>
+              <p:nvPr/>
+            </p:nvSpPr>
+            <p:spPr>
+              <a:xfrm rot="19682726">
+                <a:off x="5467674" y="1498419"/>
+                <a:ext cx="665916" cy="564663"/>
+              </a:xfrm>
+              <a:prstGeom prst="rect">
+                <a:avLst/>
+              </a:prstGeom>
+              <a:solidFill>
+                <a:srgbClr val="7030A0"/>
+              </a:solidFill>
+              <a:ln>
+                <a:noFill/>
+              </a:ln>
+            </p:spPr>
+            <p:style>
+              <a:lnRef idx="2">
+                <a:schemeClr val="accent4">
+                  <a:shade val="15000"/>
+                </a:schemeClr>
+              </a:lnRef>
+              <a:fillRef idx="1">
+                <a:schemeClr val="accent4"/>
+              </a:fillRef>
+              <a:effectRef idx="0">
+                <a:schemeClr val="accent4"/>
+              </a:effectRef>
+              <a:fontRef idx="minor">
+                <a:schemeClr val="lt1"/>
+              </a:fontRef>
+            </p:style>
+            <p:txBody>
+              <a:bodyPr rtlCol="0" anchor="ctr"/>
+              <a:lstStyle/>
+              <a:p>
+                <a:pPr algn="ctr"/>
+                <a:r>
+                  <a:rPr lang="en-US" sz="1800" dirty="0"/>
+                  <a:t>419</a:t>
+                </a:r>
+                <a:endParaRPr lang="th-TH" sz="1800" dirty="0"/>
+              </a:p>
+            </p:txBody>
+          </p:sp>
+          <p:sp>
+            <p:nvSpPr>
+              <p:cNvPr id="15" name="Rectangle 14">
+                <a:extLst>
+                  <a:ext uri="{FF2B5EF4-FFF2-40B4-BE49-F238E27FC236}">
+                    <a16:creationId xmlns:a16="http://schemas.microsoft.com/office/drawing/2014/main" id="{5153868B-DE43-66EB-A2FC-0996042EF4EF}"/>
+                  </a:ext>
+                </a:extLst>
+              </p:cNvPr>
+              <p:cNvSpPr/>
+              <p:nvPr/>
+            </p:nvSpPr>
+            <p:spPr>
+              <a:xfrm rot="19682726">
+                <a:off x="5763957" y="1970727"/>
+                <a:ext cx="667771" cy="564663"/>
+              </a:xfrm>
+              <a:prstGeom prst="rect">
+                <a:avLst/>
+              </a:prstGeom>
+              <a:solidFill>
+                <a:srgbClr val="002060"/>
+              </a:solidFill>
+              <a:ln>
+                <a:noFill/>
+              </a:ln>
+            </p:spPr>
+            <p:style>
+              <a:lnRef idx="2">
+                <a:schemeClr val="accent4">
+                  <a:shade val="15000"/>
+                </a:schemeClr>
+              </a:lnRef>
+              <a:fillRef idx="1">
+                <a:schemeClr val="accent4"/>
+              </a:fillRef>
+              <a:effectRef idx="0">
+                <a:schemeClr val="accent4"/>
+              </a:effectRef>
+              <a:fontRef idx="minor">
+                <a:schemeClr val="lt1"/>
+              </a:fontRef>
+            </p:style>
+            <p:txBody>
+              <a:bodyPr rtlCol="0" anchor="ctr"/>
+              <a:lstStyle/>
+              <a:p>
+                <a:pPr algn="ctr"/>
+                <a:r>
+                  <a:rPr lang="en-US" sz="1800" dirty="0"/>
+                  <a:t>420</a:t>
+                </a:r>
+                <a:endParaRPr lang="th-TH" sz="1800" dirty="0"/>
+              </a:p>
+            </p:txBody>
+          </p:sp>
+          <p:sp>
+            <p:nvSpPr>
+              <p:cNvPr id="16" name="Rectangle 15">
+                <a:extLst>
+                  <a:ext uri="{FF2B5EF4-FFF2-40B4-BE49-F238E27FC236}">
+                    <a16:creationId xmlns:a16="http://schemas.microsoft.com/office/drawing/2014/main" id="{E07B48A9-4FD2-AA7F-1D3E-7E4D44B27162}"/>
+                  </a:ext>
+                </a:extLst>
+              </p:cNvPr>
+              <p:cNvSpPr/>
+              <p:nvPr/>
+            </p:nvSpPr>
+            <p:spPr>
+              <a:xfrm rot="19682726">
+                <a:off x="6132939" y="2588795"/>
+                <a:ext cx="667771" cy="530587"/>
+              </a:xfrm>
+              <a:prstGeom prst="rect">
+                <a:avLst/>
+              </a:prstGeom>
+              <a:ln>
+                <a:noFill/>
+              </a:ln>
+            </p:spPr>
+            <p:style>
+              <a:lnRef idx="2">
+                <a:schemeClr val="accent4">
+                  <a:shade val="15000"/>
+                </a:schemeClr>
+              </a:lnRef>
+              <a:fillRef idx="1">
+                <a:schemeClr val="accent4"/>
+              </a:fillRef>
+              <a:effectRef idx="0">
+                <a:schemeClr val="accent4"/>
+              </a:effectRef>
+              <a:fontRef idx="minor">
+                <a:schemeClr val="lt1"/>
+              </a:fontRef>
+            </p:style>
+            <p:txBody>
+              <a:bodyPr rtlCol="0" anchor="ctr"/>
+              <a:lstStyle/>
+              <a:p>
+                <a:pPr algn="ctr"/>
+                <a:r>
+                  <a:rPr lang="en-US" sz="1800" dirty="0"/>
+                  <a:t>Elevator</a:t>
+                </a:r>
+                <a:endParaRPr lang="th-TH" sz="1800" dirty="0"/>
+              </a:p>
+            </p:txBody>
+          </p:sp>
+          <p:sp>
+            <p:nvSpPr>
+              <p:cNvPr id="17" name="Rectangle 16">
+                <a:extLst>
+                  <a:ext uri="{FF2B5EF4-FFF2-40B4-BE49-F238E27FC236}">
+                    <a16:creationId xmlns:a16="http://schemas.microsoft.com/office/drawing/2014/main" id="{F8E0FD86-B0AE-8807-746A-ADBE6146147F}"/>
+                  </a:ext>
+                </a:extLst>
+              </p:cNvPr>
+              <p:cNvSpPr/>
+              <p:nvPr/>
+            </p:nvSpPr>
+            <p:spPr>
+              <a:xfrm>
+                <a:off x="2992874" y="1033949"/>
+                <a:ext cx="921061" cy="509712"/>
+              </a:xfrm>
+              <a:prstGeom prst="rect">
+                <a:avLst/>
+              </a:prstGeom>
+              <a:ln>
+                <a:noFill/>
+              </a:ln>
+            </p:spPr>
+            <p:style>
+              <a:lnRef idx="3">
+                <a:schemeClr val="lt1"/>
+              </a:lnRef>
+              <a:fillRef idx="1">
+                <a:schemeClr val="accent5"/>
+              </a:fillRef>
+              <a:effectRef idx="1">
+                <a:schemeClr val="accent5"/>
+              </a:effectRef>
+              <a:fontRef idx="minor">
+                <a:schemeClr val="lt1"/>
+              </a:fontRef>
+            </p:style>
+            <p:txBody>
+              <a:bodyPr rtlCol="0" anchor="ctr"/>
+              <a:lstStyle/>
+              <a:p>
+                <a:pPr algn="ctr"/>
+                <a:r>
+                  <a:rPr lang="en-US" sz="1800" dirty="0" err="1"/>
+                  <a:t>P’Ohm</a:t>
+                </a:r>
+                <a:endParaRPr lang="th-TH" sz="1800" dirty="0"/>
+              </a:p>
+            </p:txBody>
+          </p:sp>
+          <p:sp>
+            <p:nvSpPr>
+              <p:cNvPr id="18" name="Rectangle 17">
+                <a:extLst>
+                  <a:ext uri="{FF2B5EF4-FFF2-40B4-BE49-F238E27FC236}">
+                    <a16:creationId xmlns:a16="http://schemas.microsoft.com/office/drawing/2014/main" id="{B403A64E-5AE7-2311-BD96-052FD9066AC9}"/>
+                  </a:ext>
+                </a:extLst>
+              </p:cNvPr>
+              <p:cNvSpPr/>
+              <p:nvPr/>
+            </p:nvSpPr>
+            <p:spPr>
+              <a:xfrm>
+                <a:off x="2992875" y="1543661"/>
+                <a:ext cx="487226" cy="687724"/>
+              </a:xfrm>
+              <a:prstGeom prst="rect">
+                <a:avLst/>
+              </a:prstGeom>
+              <a:solidFill>
+                <a:schemeClr val="accent1">
+                  <a:lumMod val="20000"/>
+                  <a:lumOff val="80000"/>
+                </a:schemeClr>
+              </a:solidFill>
+              <a:ln>
+                <a:noFill/>
+              </a:ln>
+            </p:spPr>
+            <p:style>
+              <a:lnRef idx="2">
+                <a:schemeClr val="accent4">
+                  <a:shade val="15000"/>
+                </a:schemeClr>
+              </a:lnRef>
+              <a:fillRef idx="1">
+                <a:schemeClr val="accent4"/>
+              </a:fillRef>
+              <a:effectRef idx="0">
+                <a:schemeClr val="accent4"/>
+              </a:effectRef>
+              <a:fontRef idx="minor">
+                <a:schemeClr val="lt1"/>
+              </a:fontRef>
+            </p:style>
+            <p:txBody>
+              <a:bodyPr rtlCol="0" anchor="ctr"/>
+              <a:lstStyle/>
+              <a:p>
+                <a:pPr algn="ctr"/>
+                <a:r>
+                  <a:rPr lang="en-US" sz="1400" dirty="0"/>
+                  <a:t>Elevator</a:t>
+                </a:r>
+                <a:endParaRPr lang="th-TH" sz="1400" dirty="0"/>
+              </a:p>
+            </p:txBody>
+          </p:sp>
+          <p:sp>
+            <p:nvSpPr>
+              <p:cNvPr id="22" name="Rectangle 21">
+                <a:extLst>
+                  <a:ext uri="{FF2B5EF4-FFF2-40B4-BE49-F238E27FC236}">
+                    <a16:creationId xmlns:a16="http://schemas.microsoft.com/office/drawing/2014/main" id="{0DEF5E4D-7BB4-19CB-744F-3C4C029600D7}"/>
+                  </a:ext>
+                </a:extLst>
+              </p:cNvPr>
+              <p:cNvSpPr/>
+              <p:nvPr/>
+            </p:nvSpPr>
+            <p:spPr>
+              <a:xfrm rot="5400000">
+                <a:off x="3127616" y="3794382"/>
+                <a:ext cx="2209729" cy="2479207"/>
+              </a:xfrm>
+              <a:prstGeom prst="rect">
+                <a:avLst/>
+              </a:prstGeom>
+              <a:ln>
+                <a:noFill/>
+              </a:ln>
+            </p:spPr>
+            <p:style>
+              <a:lnRef idx="2">
+                <a:schemeClr val="accent3">
+                  <a:shade val="15000"/>
+                </a:schemeClr>
+              </a:lnRef>
+              <a:fillRef idx="1">
+                <a:schemeClr val="accent3"/>
+              </a:fillRef>
+              <a:effectRef idx="0">
+                <a:schemeClr val="accent3"/>
+              </a:effectRef>
+              <a:fontRef idx="minor">
+                <a:schemeClr val="lt1"/>
+              </a:fontRef>
+            </p:style>
+            <p:txBody>
+              <a:bodyPr rtlCol="0" anchor="ctr"/>
+              <a:lstStyle/>
+              <a:p>
+                <a:pPr algn="ctr"/>
+                <a:endParaRPr lang="th-TH" sz="1800"/>
+              </a:p>
+            </p:txBody>
+          </p:sp>
+          <p:sp>
+            <p:nvSpPr>
+              <p:cNvPr id="24" name="Rectangle 23">
+                <a:extLst>
+                  <a:ext uri="{FF2B5EF4-FFF2-40B4-BE49-F238E27FC236}">
+                    <a16:creationId xmlns:a16="http://schemas.microsoft.com/office/drawing/2014/main" id="{FB7BCB16-1C16-89F8-CB5B-715417D2CE43}"/>
+                  </a:ext>
+                </a:extLst>
+              </p:cNvPr>
+              <p:cNvSpPr/>
+              <p:nvPr/>
+            </p:nvSpPr>
+            <p:spPr>
+              <a:xfrm>
+                <a:off x="5407794" y="4227510"/>
+                <a:ext cx="1311766" cy="1077866"/>
+              </a:xfrm>
+              <a:prstGeom prst="rect">
+                <a:avLst/>
+              </a:prstGeom>
+              <a:ln>
+                <a:noFill/>
+              </a:ln>
+            </p:spPr>
+            <p:style>
+              <a:lnRef idx="3">
+                <a:schemeClr val="lt1"/>
+              </a:lnRef>
+              <a:fillRef idx="1">
+                <a:schemeClr val="accent2"/>
+              </a:fillRef>
+              <a:effectRef idx="1">
+                <a:schemeClr val="accent2"/>
+              </a:effectRef>
+              <a:fontRef idx="minor">
+                <a:schemeClr val="lt1"/>
+              </a:fontRef>
+            </p:style>
+            <p:txBody>
+              <a:bodyPr rtlCol="0" anchor="ctr"/>
+              <a:lstStyle/>
+              <a:p>
+                <a:pPr algn="ctr"/>
+                <a:r>
+                  <a:rPr lang="en-US" sz="1800" dirty="0"/>
+                  <a:t>402</a:t>
+                </a:r>
+                <a:endParaRPr lang="th-TH" sz="1800" dirty="0"/>
+              </a:p>
+            </p:txBody>
+          </p:sp>
+          <p:sp>
+            <p:nvSpPr>
+              <p:cNvPr id="25" name="Rectangle 24">
+                <a:extLst>
+                  <a:ext uri="{FF2B5EF4-FFF2-40B4-BE49-F238E27FC236}">
+                    <a16:creationId xmlns:a16="http://schemas.microsoft.com/office/drawing/2014/main" id="{D09B3D3D-E86F-03D8-AC40-2A67369EC650}"/>
+                  </a:ext>
+                </a:extLst>
+              </p:cNvPr>
+              <p:cNvSpPr/>
+              <p:nvPr/>
+            </p:nvSpPr>
+            <p:spPr>
+              <a:xfrm>
+                <a:off x="7258782" y="3771846"/>
+                <a:ext cx="1344311" cy="977093"/>
+              </a:xfrm>
+              <a:prstGeom prst="rect">
+                <a:avLst/>
+              </a:prstGeom>
+              <a:solidFill>
+                <a:schemeClr val="accent2">
+                  <a:lumMod val="40000"/>
+                  <a:lumOff val="60000"/>
+                </a:schemeClr>
+              </a:solidFill>
+              <a:ln>
+                <a:noFill/>
+              </a:ln>
+            </p:spPr>
+            <p:style>
+              <a:lnRef idx="3">
+                <a:schemeClr val="lt1"/>
+              </a:lnRef>
+              <a:fillRef idx="1">
+                <a:schemeClr val="accent2"/>
+              </a:fillRef>
+              <a:effectRef idx="1">
+                <a:schemeClr val="accent2"/>
+              </a:effectRef>
+              <a:fontRef idx="minor">
+                <a:schemeClr val="lt1"/>
+              </a:fontRef>
+            </p:style>
+            <p:txBody>
+              <a:bodyPr rtlCol="0" anchor="ctr"/>
+              <a:lstStyle/>
+              <a:p>
+                <a:pPr algn="ctr"/>
+                <a:r>
+                  <a:rPr lang="en-US" sz="1800" dirty="0"/>
+                  <a:t>401</a:t>
+                </a:r>
+                <a:endParaRPr lang="th-TH" sz="1800" dirty="0"/>
+              </a:p>
+            </p:txBody>
+          </p:sp>
+          <p:sp>
+            <p:nvSpPr>
+              <p:cNvPr id="26" name="Rectangle 25">
+                <a:extLst>
+                  <a:ext uri="{FF2B5EF4-FFF2-40B4-BE49-F238E27FC236}">
+                    <a16:creationId xmlns:a16="http://schemas.microsoft.com/office/drawing/2014/main" id="{64006E14-0C67-19BC-D637-CE68BDE7C061}"/>
+                  </a:ext>
+                </a:extLst>
+              </p:cNvPr>
+              <p:cNvSpPr/>
+              <p:nvPr/>
+            </p:nvSpPr>
+            <p:spPr>
+              <a:xfrm>
+                <a:off x="6025093" y="5674170"/>
+                <a:ext cx="699591" cy="464680"/>
+              </a:xfrm>
+              <a:prstGeom prst="rect">
+                <a:avLst/>
+              </a:prstGeom>
+              <a:solidFill>
+                <a:schemeClr val="accent6">
+                  <a:lumMod val="75000"/>
+                </a:schemeClr>
+              </a:solidFill>
+              <a:ln>
+                <a:noFill/>
+              </a:ln>
+            </p:spPr>
+            <p:style>
+              <a:lnRef idx="2">
+                <a:schemeClr val="accent6">
+                  <a:shade val="15000"/>
+                </a:schemeClr>
+              </a:lnRef>
+              <a:fillRef idx="1">
+                <a:schemeClr val="accent6"/>
+              </a:fillRef>
+              <a:effectRef idx="0">
+                <a:schemeClr val="accent6"/>
+              </a:effectRef>
+              <a:fontRef idx="minor">
+                <a:schemeClr val="lt1"/>
+              </a:fontRef>
+            </p:style>
+            <p:txBody>
+              <a:bodyPr rtlCol="0" anchor="ctr"/>
+              <a:lstStyle/>
+              <a:p>
+                <a:pPr algn="ctr"/>
+                <a:r>
+                  <a:rPr lang="en-US" sz="1800" dirty="0"/>
+                  <a:t>stair</a:t>
+                </a:r>
+                <a:endParaRPr lang="th-TH" sz="1800" dirty="0"/>
+              </a:p>
+            </p:txBody>
+          </p:sp>
+          <p:sp>
+            <p:nvSpPr>
+              <p:cNvPr id="27" name="Rectangle 26">
+                <a:extLst>
+                  <a:ext uri="{FF2B5EF4-FFF2-40B4-BE49-F238E27FC236}">
+                    <a16:creationId xmlns:a16="http://schemas.microsoft.com/office/drawing/2014/main" id="{8F07620F-9AC3-0F9E-708A-A24418E818FD}"/>
+                  </a:ext>
+                </a:extLst>
+              </p:cNvPr>
+              <p:cNvSpPr/>
+              <p:nvPr/>
+            </p:nvSpPr>
+            <p:spPr>
+              <a:xfrm>
+                <a:off x="5351870" y="5674168"/>
+                <a:ext cx="699591" cy="464681"/>
+              </a:xfrm>
+              <a:prstGeom prst="rect">
+                <a:avLst/>
+              </a:prstGeom>
+              <a:ln>
+                <a:noFill/>
+              </a:ln>
+            </p:spPr>
+            <p:style>
+              <a:lnRef idx="2">
+                <a:schemeClr val="accent6">
+                  <a:shade val="15000"/>
+                </a:schemeClr>
+              </a:lnRef>
+              <a:fillRef idx="1">
+                <a:schemeClr val="accent6"/>
+              </a:fillRef>
+              <a:effectRef idx="0">
+                <a:schemeClr val="accent6"/>
+              </a:effectRef>
+              <a:fontRef idx="minor">
+                <a:schemeClr val="lt1"/>
+              </a:fontRef>
+            </p:style>
+            <p:txBody>
+              <a:bodyPr rtlCol="0" anchor="ctr"/>
+              <a:lstStyle/>
+              <a:p>
+                <a:pPr algn="ctr"/>
+                <a:r>
+                  <a:rPr lang="en-US" sz="1800" dirty="0"/>
+                  <a:t>WC</a:t>
+                </a:r>
+                <a:endParaRPr lang="th-TH" sz="1800" dirty="0"/>
+              </a:p>
+            </p:txBody>
+          </p:sp>
+          <p:sp>
+            <p:nvSpPr>
+              <p:cNvPr id="28" name="Rectangle 27">
+                <a:extLst>
+                  <a:ext uri="{FF2B5EF4-FFF2-40B4-BE49-F238E27FC236}">
+                    <a16:creationId xmlns:a16="http://schemas.microsoft.com/office/drawing/2014/main" id="{051E4FD0-FDDD-4236-99AD-96AEB494E432}"/>
+                  </a:ext>
+                </a:extLst>
+              </p:cNvPr>
+              <p:cNvSpPr/>
+              <p:nvPr/>
+            </p:nvSpPr>
+            <p:spPr>
+              <a:xfrm>
+                <a:off x="2987377" y="4285893"/>
+                <a:ext cx="1697668" cy="1864822"/>
+              </a:xfrm>
+              <a:prstGeom prst="rect">
+                <a:avLst/>
+              </a:prstGeom>
+              <a:solidFill>
+                <a:srgbClr val="FF0000"/>
+              </a:solidFill>
+              <a:ln>
+                <a:noFill/>
+              </a:ln>
+            </p:spPr>
+            <p:style>
+              <a:lnRef idx="3">
+                <a:schemeClr val="lt1"/>
+              </a:lnRef>
+              <a:fillRef idx="1">
+                <a:schemeClr val="accent2"/>
+              </a:fillRef>
+              <a:effectRef idx="1">
+                <a:schemeClr val="accent2"/>
+              </a:effectRef>
+              <a:fontRef idx="minor">
+                <a:schemeClr val="lt1"/>
+              </a:fontRef>
+            </p:style>
+            <p:txBody>
+              <a:bodyPr rtlCol="0" anchor="ctr"/>
+              <a:lstStyle/>
+              <a:p>
+                <a:pPr algn="ctr"/>
+                <a:endParaRPr lang="th-TH" sz="1800"/>
+              </a:p>
+            </p:txBody>
+          </p:sp>
+          <p:sp>
+            <p:nvSpPr>
+              <p:cNvPr id="30" name="Rectangle 29">
+                <a:extLst>
+                  <a:ext uri="{FF2B5EF4-FFF2-40B4-BE49-F238E27FC236}">
+                    <a16:creationId xmlns:a16="http://schemas.microsoft.com/office/drawing/2014/main" id="{D2F40C03-C5A4-A496-E696-3DF6424A785E}"/>
+                  </a:ext>
+                </a:extLst>
+              </p:cNvPr>
+              <p:cNvSpPr/>
+              <p:nvPr/>
+            </p:nvSpPr>
+            <p:spPr>
+              <a:xfrm>
+                <a:off x="4397789" y="3771846"/>
+                <a:ext cx="2852873" cy="476902"/>
+              </a:xfrm>
+              <a:prstGeom prst="rect">
+                <a:avLst/>
+              </a:prstGeom>
+              <a:ln>
+                <a:noFill/>
+              </a:ln>
+            </p:spPr>
+            <p:style>
+              <a:lnRef idx="2">
+                <a:schemeClr val="accent3">
+                  <a:shade val="15000"/>
+                </a:schemeClr>
+              </a:lnRef>
+              <a:fillRef idx="1">
+                <a:schemeClr val="accent3"/>
+              </a:fillRef>
+              <a:effectRef idx="0">
+                <a:schemeClr val="accent3"/>
+              </a:effectRef>
+              <a:fontRef idx="minor">
+                <a:schemeClr val="lt1"/>
+              </a:fontRef>
+            </p:style>
+            <p:txBody>
+              <a:bodyPr rtlCol="0" anchor="ctr"/>
+              <a:lstStyle/>
+              <a:p>
+                <a:pPr algn="ctr"/>
+                <a:endParaRPr lang="th-TH" sz="1800"/>
+              </a:p>
+            </p:txBody>
+          </p:sp>
+          <p:sp>
+            <p:nvSpPr>
+              <p:cNvPr id="33" name="Rectangle 32">
+                <a:extLst>
+                  <a:ext uri="{FF2B5EF4-FFF2-40B4-BE49-F238E27FC236}">
+                    <a16:creationId xmlns:a16="http://schemas.microsoft.com/office/drawing/2014/main" id="{4194D603-B079-FD07-3CF1-93BA8A683AC0}"/>
+                  </a:ext>
+                </a:extLst>
+              </p:cNvPr>
+              <p:cNvSpPr/>
+              <p:nvPr/>
+            </p:nvSpPr>
+            <p:spPr>
+              <a:xfrm>
+                <a:off x="2992877" y="5014021"/>
+                <a:ext cx="2358993" cy="315927"/>
+              </a:xfrm>
+              <a:prstGeom prst="rect">
+                <a:avLst/>
+              </a:prstGeom>
+              <a:ln>
+                <a:noFill/>
+              </a:ln>
+            </p:spPr>
+            <p:style>
+              <a:lnRef idx="2">
+                <a:schemeClr val="accent3">
+                  <a:shade val="15000"/>
+                </a:schemeClr>
+              </a:lnRef>
+              <a:fillRef idx="1">
+                <a:schemeClr val="accent3"/>
+              </a:fillRef>
+              <a:effectRef idx="0">
+                <a:schemeClr val="accent3"/>
+              </a:effectRef>
+              <a:fontRef idx="minor">
+                <a:schemeClr val="lt1"/>
+              </a:fontRef>
+            </p:style>
+            <p:txBody>
+              <a:bodyPr rtlCol="0" anchor="ctr"/>
+              <a:lstStyle/>
+              <a:p>
+                <a:pPr algn="ctr"/>
+                <a:endParaRPr lang="th-TH" sz="1800"/>
+              </a:p>
+            </p:txBody>
+          </p:sp>
+          <p:sp>
+            <p:nvSpPr>
+              <p:cNvPr id="35" name="Rectangle 34">
+                <a:extLst>
+                  <a:ext uri="{FF2B5EF4-FFF2-40B4-BE49-F238E27FC236}">
+                    <a16:creationId xmlns:a16="http://schemas.microsoft.com/office/drawing/2014/main" id="{67C2ED96-CD77-D0DD-9F9B-5B7D14BEC7FC}"/>
+                  </a:ext>
+                </a:extLst>
+              </p:cNvPr>
+              <p:cNvSpPr/>
+              <p:nvPr/>
+            </p:nvSpPr>
+            <p:spPr>
+              <a:xfrm rot="5400000">
+                <a:off x="2885809" y="4125704"/>
+                <a:ext cx="1983494" cy="371851"/>
+              </a:xfrm>
+              <a:prstGeom prst="rect">
+                <a:avLst/>
+              </a:prstGeom>
+              <a:ln>
+                <a:noFill/>
+              </a:ln>
+            </p:spPr>
+            <p:style>
+              <a:lnRef idx="2">
+                <a:schemeClr val="accent3">
+                  <a:shade val="15000"/>
+                </a:schemeClr>
+              </a:lnRef>
+              <a:fillRef idx="1">
+                <a:schemeClr val="accent3"/>
+              </a:fillRef>
+              <a:effectRef idx="0">
+                <a:schemeClr val="accent3"/>
+              </a:effectRef>
+              <a:fontRef idx="minor">
+                <a:schemeClr val="lt1"/>
+              </a:fontRef>
+            </p:style>
+            <p:txBody>
+              <a:bodyPr rtlCol="0" anchor="ctr"/>
+              <a:lstStyle/>
+              <a:p>
+                <a:pPr algn="ctr"/>
+                <a:endParaRPr lang="th-TH" sz="1800"/>
+              </a:p>
+            </p:txBody>
+          </p:sp>
+          <p:sp>
+            <p:nvSpPr>
+              <p:cNvPr id="37" name="Rectangle 36">
+                <a:extLst>
+                  <a:ext uri="{FF2B5EF4-FFF2-40B4-BE49-F238E27FC236}">
+                    <a16:creationId xmlns:a16="http://schemas.microsoft.com/office/drawing/2014/main" id="{B9004BB2-14D2-EBBA-E873-7D062778260F}"/>
+                  </a:ext>
+                </a:extLst>
+              </p:cNvPr>
+              <p:cNvSpPr/>
+              <p:nvPr/>
+            </p:nvSpPr>
+            <p:spPr>
+              <a:xfrm>
+                <a:off x="7250662" y="4748942"/>
+                <a:ext cx="1352433" cy="581007"/>
+              </a:xfrm>
+              <a:prstGeom prst="rect">
+                <a:avLst/>
+              </a:prstGeom>
+              <a:solidFill>
+                <a:schemeClr val="accent2">
+                  <a:lumMod val="60000"/>
+                  <a:lumOff val="40000"/>
+                </a:schemeClr>
+              </a:solidFill>
+              <a:ln>
+                <a:noFill/>
+              </a:ln>
+            </p:spPr>
+            <p:style>
+              <a:lnRef idx="3">
+                <a:schemeClr val="lt1"/>
+              </a:lnRef>
+              <a:fillRef idx="1">
+                <a:schemeClr val="accent2"/>
+              </a:fillRef>
+              <a:effectRef idx="1">
+                <a:schemeClr val="accent2"/>
+              </a:effectRef>
+              <a:fontRef idx="minor">
+                <a:schemeClr val="lt1"/>
+              </a:fontRef>
+            </p:style>
+            <p:txBody>
+              <a:bodyPr rtlCol="0" anchor="ctr"/>
+              <a:lstStyle/>
+              <a:p>
+                <a:pPr algn="ctr"/>
+                <a:r>
+                  <a:rPr lang="en-US" sz="1800" dirty="0"/>
+                  <a:t>Th</a:t>
+                </a:r>
+                <a:endParaRPr lang="th-TH" sz="1800" dirty="0"/>
+              </a:p>
+            </p:txBody>
+          </p:sp>
+          <p:sp>
+            <p:nvSpPr>
+              <p:cNvPr id="38" name="Rectangle 37">
+                <a:extLst>
+                  <a:ext uri="{FF2B5EF4-FFF2-40B4-BE49-F238E27FC236}">
+                    <a16:creationId xmlns:a16="http://schemas.microsoft.com/office/drawing/2014/main" id="{82B32664-20C5-4ACF-A4E1-CA345B4D3E2E}"/>
+                  </a:ext>
+                </a:extLst>
+              </p:cNvPr>
+              <p:cNvSpPr/>
+              <p:nvPr/>
+            </p:nvSpPr>
+            <p:spPr>
+              <a:xfrm>
+                <a:off x="7250663" y="5312781"/>
+                <a:ext cx="1352429" cy="826068"/>
+              </a:xfrm>
+              <a:prstGeom prst="rect">
+                <a:avLst/>
+              </a:prstGeom>
+              <a:solidFill>
+                <a:schemeClr val="accent2">
+                  <a:lumMod val="75000"/>
+                </a:schemeClr>
+              </a:solidFill>
+              <a:ln>
+                <a:noFill/>
+              </a:ln>
+            </p:spPr>
+            <p:style>
+              <a:lnRef idx="3">
+                <a:schemeClr val="lt1"/>
+              </a:lnRef>
+              <a:fillRef idx="1">
+                <a:schemeClr val="accent2"/>
+              </a:fillRef>
+              <a:effectRef idx="1">
+                <a:schemeClr val="accent2"/>
+              </a:effectRef>
+              <a:fontRef idx="minor">
+                <a:schemeClr val="lt1"/>
+              </a:fontRef>
+            </p:style>
+            <p:txBody>
+              <a:bodyPr rtlCol="0" anchor="ctr"/>
+              <a:lstStyle/>
+              <a:p>
+                <a:pPr algn="ctr"/>
+                <a:r>
+                  <a:rPr lang="en-US" sz="1800" dirty="0"/>
+                  <a:t>Lab</a:t>
+                </a:r>
+                <a:endParaRPr lang="th-TH" sz="1800" dirty="0"/>
+              </a:p>
+            </p:txBody>
+          </p:sp>
+          <p:sp>
+            <p:nvSpPr>
+              <p:cNvPr id="39" name="Rectangle 38">
+                <a:extLst>
+                  <a:ext uri="{FF2B5EF4-FFF2-40B4-BE49-F238E27FC236}">
+                    <a16:creationId xmlns:a16="http://schemas.microsoft.com/office/drawing/2014/main" id="{19B09EBE-3C5D-2BBE-7462-42CC92116DC7}"/>
+                  </a:ext>
+                </a:extLst>
+              </p:cNvPr>
+              <p:cNvSpPr/>
+              <p:nvPr/>
+            </p:nvSpPr>
+            <p:spPr>
+              <a:xfrm>
+                <a:off x="4397790" y="5296216"/>
+                <a:ext cx="673394" cy="854499"/>
+              </a:xfrm>
+              <a:prstGeom prst="rect">
+                <a:avLst/>
+              </a:prstGeom>
+              <a:solidFill>
+                <a:schemeClr val="accent1">
+                  <a:lumMod val="40000"/>
+                  <a:lumOff val="60000"/>
+                </a:schemeClr>
+              </a:solidFill>
+              <a:ln>
+                <a:noFill/>
+              </a:ln>
+            </p:spPr>
+            <p:style>
+              <a:lnRef idx="3">
+                <a:schemeClr val="lt1"/>
+              </a:lnRef>
+              <a:fillRef idx="1">
+                <a:schemeClr val="accent2"/>
+              </a:fillRef>
+              <a:effectRef idx="1">
+                <a:schemeClr val="accent2"/>
+              </a:effectRef>
+              <a:fontRef idx="minor">
+                <a:schemeClr val="lt1"/>
+              </a:fontRef>
+            </p:style>
+            <p:txBody>
+              <a:bodyPr rtlCol="0" anchor="ctr"/>
+              <a:lstStyle/>
+              <a:p>
+                <a:pPr algn="ctr"/>
+                <a:r>
+                  <a:rPr lang="en-US" sz="1800" dirty="0"/>
+                  <a:t>407</a:t>
+                </a:r>
+                <a:endParaRPr lang="th-TH" sz="1800" dirty="0"/>
+              </a:p>
+            </p:txBody>
+          </p:sp>
+          <p:sp>
+            <p:nvSpPr>
+              <p:cNvPr id="40" name="Rectangle 39">
+                <a:extLst>
+                  <a:ext uri="{FF2B5EF4-FFF2-40B4-BE49-F238E27FC236}">
+                    <a16:creationId xmlns:a16="http://schemas.microsoft.com/office/drawing/2014/main" id="{8A7E0067-CBFD-3A91-ED74-4BF3F623C6FC}"/>
+                  </a:ext>
+                </a:extLst>
+              </p:cNvPr>
+              <p:cNvSpPr/>
+              <p:nvPr/>
+            </p:nvSpPr>
+            <p:spPr>
+              <a:xfrm>
+                <a:off x="4063482" y="4227510"/>
+                <a:ext cx="1004552" cy="793737"/>
+              </a:xfrm>
+              <a:prstGeom prst="rect">
+                <a:avLst/>
+              </a:prstGeom>
+              <a:solidFill>
+                <a:schemeClr val="accent5">
+                  <a:lumMod val="40000"/>
+                  <a:lumOff val="60000"/>
+                </a:schemeClr>
+              </a:solidFill>
+              <a:ln>
+                <a:noFill/>
+              </a:ln>
+            </p:spPr>
+            <p:style>
+              <a:lnRef idx="3">
+                <a:schemeClr val="lt1"/>
+              </a:lnRef>
+              <a:fillRef idx="1">
+                <a:schemeClr val="accent2"/>
+              </a:fillRef>
+              <a:effectRef idx="1">
+                <a:schemeClr val="accent2"/>
+              </a:effectRef>
+              <a:fontRef idx="minor">
+                <a:schemeClr val="lt1"/>
+              </a:fontRef>
+            </p:style>
+            <p:txBody>
+              <a:bodyPr rtlCol="0" anchor="ctr"/>
+              <a:lstStyle/>
+              <a:p>
+                <a:pPr algn="ctr"/>
+                <a:r>
+                  <a:rPr lang="en-US" sz="1800" dirty="0"/>
+                  <a:t>408</a:t>
+                </a:r>
+                <a:endParaRPr lang="th-TH" sz="1800" dirty="0"/>
+              </a:p>
+            </p:txBody>
+          </p:sp>
+          <p:sp>
+            <p:nvSpPr>
+              <p:cNvPr id="41" name="Rectangle 40">
+                <a:extLst>
+                  <a:ext uri="{FF2B5EF4-FFF2-40B4-BE49-F238E27FC236}">
+                    <a16:creationId xmlns:a16="http://schemas.microsoft.com/office/drawing/2014/main" id="{F5294738-ED48-7D10-5CE7-58F2BD699B32}"/>
+                  </a:ext>
+                </a:extLst>
+              </p:cNvPr>
+              <p:cNvSpPr/>
+              <p:nvPr/>
+            </p:nvSpPr>
+            <p:spPr>
+              <a:xfrm>
+                <a:off x="3645162" y="5293475"/>
+                <a:ext cx="752625" cy="857241"/>
+              </a:xfrm>
+              <a:prstGeom prst="rect">
+                <a:avLst/>
+              </a:prstGeom>
+              <a:solidFill>
+                <a:schemeClr val="accent1">
+                  <a:lumMod val="60000"/>
+                  <a:lumOff val="40000"/>
+                </a:schemeClr>
+              </a:solidFill>
+              <a:ln>
+                <a:noFill/>
+              </a:ln>
+            </p:spPr>
+            <p:style>
+              <a:lnRef idx="3">
+                <a:schemeClr val="lt1"/>
+              </a:lnRef>
+              <a:fillRef idx="1">
+                <a:schemeClr val="accent2"/>
+              </a:fillRef>
+              <a:effectRef idx="1">
+                <a:schemeClr val="accent2"/>
+              </a:effectRef>
+              <a:fontRef idx="minor">
+                <a:schemeClr val="lt1"/>
+              </a:fontRef>
+            </p:style>
+            <p:txBody>
+              <a:bodyPr rtlCol="0" anchor="ctr"/>
+              <a:lstStyle/>
+              <a:p>
+                <a:pPr algn="ctr"/>
+                <a:r>
+                  <a:rPr lang="en-US" sz="1800" dirty="0"/>
+                  <a:t>409</a:t>
+                </a:r>
+                <a:endParaRPr lang="th-TH" sz="1800" dirty="0"/>
+              </a:p>
+            </p:txBody>
+          </p:sp>
+          <p:sp>
+            <p:nvSpPr>
+              <p:cNvPr id="42" name="Rectangle 41">
+                <a:extLst>
+                  <a:ext uri="{FF2B5EF4-FFF2-40B4-BE49-F238E27FC236}">
+                    <a16:creationId xmlns:a16="http://schemas.microsoft.com/office/drawing/2014/main" id="{51AE5D6A-62FB-615E-3C90-F525912B7B09}"/>
+                  </a:ext>
+                </a:extLst>
+              </p:cNvPr>
+              <p:cNvSpPr/>
+              <p:nvPr/>
+            </p:nvSpPr>
+            <p:spPr>
+              <a:xfrm>
+                <a:off x="2986413" y="5305376"/>
+                <a:ext cx="658749" cy="854499"/>
+              </a:xfrm>
+              <a:prstGeom prst="rect">
+                <a:avLst/>
+              </a:prstGeom>
+              <a:solidFill>
+                <a:schemeClr val="accent1">
+                  <a:lumMod val="75000"/>
+                </a:schemeClr>
+              </a:solidFill>
+              <a:ln>
+                <a:noFill/>
+              </a:ln>
+            </p:spPr>
+            <p:style>
+              <a:lnRef idx="3">
+                <a:schemeClr val="lt1"/>
+              </a:lnRef>
+              <a:fillRef idx="1">
+                <a:schemeClr val="accent2"/>
+              </a:fillRef>
+              <a:effectRef idx="1">
+                <a:schemeClr val="accent2"/>
+              </a:effectRef>
+              <a:fontRef idx="minor">
+                <a:schemeClr val="lt1"/>
+              </a:fontRef>
+            </p:style>
+            <p:txBody>
+              <a:bodyPr rtlCol="0" anchor="ctr"/>
+              <a:lstStyle/>
+              <a:p>
+                <a:pPr algn="ctr"/>
+                <a:r>
+                  <a:rPr lang="en-US" sz="1800" dirty="0"/>
+                  <a:t>411</a:t>
+                </a:r>
+                <a:endParaRPr lang="th-TH" sz="1800" dirty="0"/>
+              </a:p>
+            </p:txBody>
+          </p:sp>
+          <p:sp>
+            <p:nvSpPr>
+              <p:cNvPr id="44" name="Rectangle 43">
+                <a:extLst>
+                  <a:ext uri="{FF2B5EF4-FFF2-40B4-BE49-F238E27FC236}">
+                    <a16:creationId xmlns:a16="http://schemas.microsoft.com/office/drawing/2014/main" id="{E477E8B9-C9DA-ACFA-44EC-DC4D64D0BEC1}"/>
+                  </a:ext>
+                </a:extLst>
+              </p:cNvPr>
+              <p:cNvSpPr/>
+              <p:nvPr/>
+            </p:nvSpPr>
+            <p:spPr>
+              <a:xfrm>
+                <a:off x="2990706" y="4645406"/>
+                <a:ext cx="721714" cy="397079"/>
+              </a:xfrm>
+              <a:prstGeom prst="rect">
+                <a:avLst/>
+              </a:prstGeom>
+              <a:solidFill>
+                <a:schemeClr val="accent1">
+                  <a:lumMod val="75000"/>
+                </a:schemeClr>
+              </a:solidFill>
+              <a:ln>
+                <a:noFill/>
+              </a:ln>
+            </p:spPr>
+            <p:style>
+              <a:lnRef idx="3">
+                <a:schemeClr val="lt1"/>
+              </a:lnRef>
+              <a:fillRef idx="1">
+                <a:schemeClr val="accent2"/>
+              </a:fillRef>
+              <a:effectRef idx="1">
+                <a:schemeClr val="accent2"/>
+              </a:effectRef>
+              <a:fontRef idx="minor">
+                <a:schemeClr val="lt1"/>
+              </a:fontRef>
+            </p:style>
+            <p:txBody>
+              <a:bodyPr rtlCol="0" anchor="ctr"/>
+              <a:lstStyle/>
+              <a:p>
+                <a:pPr algn="ctr"/>
+                <a:r>
+                  <a:rPr lang="en-US" sz="1800" dirty="0"/>
+                  <a:t>410</a:t>
+                </a:r>
+                <a:endParaRPr lang="th-TH" sz="1800" dirty="0"/>
+              </a:p>
+            </p:txBody>
+          </p:sp>
+          <p:grpSp>
+            <p:nvGrpSpPr>
+              <p:cNvPr id="48" name="Group 47">
+                <a:extLst>
+                  <a:ext uri="{FF2B5EF4-FFF2-40B4-BE49-F238E27FC236}">
+                    <a16:creationId xmlns:a16="http://schemas.microsoft.com/office/drawing/2014/main" id="{971495F0-E24A-D3F0-5749-9F8F33F59220}"/>
+                  </a:ext>
+                </a:extLst>
+              </p:cNvPr>
+              <p:cNvGrpSpPr/>
+              <p:nvPr/>
+            </p:nvGrpSpPr>
+            <p:grpSpPr>
+              <a:xfrm>
+                <a:off x="5147114" y="935639"/>
+                <a:ext cx="732390" cy="303166"/>
+                <a:chOff x="5147114" y="935639"/>
+                <a:chExt cx="732390" cy="303166"/>
+              </a:xfrm>
+              <a:solidFill>
+                <a:schemeClr val="accent6">
+                  <a:lumMod val="75000"/>
+                </a:schemeClr>
+              </a:solidFill>
+            </p:grpSpPr>
+            <p:sp>
+              <p:nvSpPr>
+                <p:cNvPr id="45" name="Rectangle 44">
+                  <a:extLst>
+                    <a:ext uri="{FF2B5EF4-FFF2-40B4-BE49-F238E27FC236}">
+                      <a16:creationId xmlns:a16="http://schemas.microsoft.com/office/drawing/2014/main" id="{3FAC2FF0-C934-8492-0DC1-4FD9A831CA36}"/>
+                    </a:ext>
+                  </a:extLst>
+                </p:cNvPr>
+                <p:cNvSpPr/>
+                <p:nvPr/>
+              </p:nvSpPr>
+              <p:spPr>
+                <a:xfrm>
+                  <a:off x="5147114" y="1042276"/>
+                  <a:ext cx="422662" cy="196529"/>
+                </a:xfrm>
+                <a:prstGeom prst="rect">
+                  <a:avLst/>
+                </a:prstGeom>
+                <a:grpFill/>
+                <a:ln>
+                  <a:noFill/>
+                </a:ln>
+              </p:spPr>
+              <p:style>
+                <a:lnRef idx="2">
+                  <a:schemeClr val="accent6">
+                    <a:shade val="15000"/>
+                  </a:schemeClr>
+                </a:lnRef>
+                <a:fillRef idx="1">
+                  <a:schemeClr val="accent6"/>
+                </a:fillRef>
+                <a:effectRef idx="0">
+                  <a:schemeClr val="accent6"/>
+                </a:effectRef>
+                <a:fontRef idx="minor">
+                  <a:schemeClr val="lt1"/>
+                </a:fontRef>
+              </p:style>
+              <p:txBody>
+                <a:bodyPr rtlCol="0" anchor="ctr"/>
+                <a:lstStyle/>
+                <a:p>
+                  <a:pPr algn="ctr"/>
+                  <a:r>
+                    <a:rPr lang="en-US" sz="900" dirty="0"/>
+                    <a:t>stair</a:t>
+                  </a:r>
+                  <a:endParaRPr lang="th-TH" sz="900" dirty="0"/>
+                </a:p>
+              </p:txBody>
+            </p:sp>
+            <p:sp>
+              <p:nvSpPr>
+                <p:cNvPr id="47" name="Rectangle 46">
+                  <a:extLst>
+                    <a:ext uri="{FF2B5EF4-FFF2-40B4-BE49-F238E27FC236}">
+                      <a16:creationId xmlns:a16="http://schemas.microsoft.com/office/drawing/2014/main" id="{0F6F91F3-7506-2D7D-5824-D9E378C72C52}"/>
+                    </a:ext>
+                  </a:extLst>
+                </p:cNvPr>
+                <p:cNvSpPr/>
+                <p:nvPr/>
+              </p:nvSpPr>
+              <p:spPr>
+                <a:xfrm rot="19603086">
+                  <a:off x="5470590" y="935639"/>
+                  <a:ext cx="408914" cy="207826"/>
+                </a:xfrm>
+                <a:prstGeom prst="rect">
+                  <a:avLst/>
+                </a:prstGeom>
+                <a:grpFill/>
+                <a:ln>
+                  <a:noFill/>
+                </a:ln>
+              </p:spPr>
+              <p:style>
+                <a:lnRef idx="2">
+                  <a:schemeClr val="accent6">
+                    <a:shade val="15000"/>
+                  </a:schemeClr>
+                </a:lnRef>
+                <a:fillRef idx="1">
+                  <a:schemeClr val="accent6"/>
+                </a:fillRef>
+                <a:effectRef idx="0">
+                  <a:schemeClr val="accent6"/>
+                </a:effectRef>
+                <a:fontRef idx="minor">
+                  <a:schemeClr val="lt1"/>
+                </a:fontRef>
+              </p:style>
+              <p:txBody>
+                <a:bodyPr rtlCol="0" anchor="ctr"/>
+                <a:lstStyle/>
+                <a:p>
+                  <a:pPr algn="ctr"/>
+                  <a:r>
+                    <a:rPr lang="en-US" sz="1200" dirty="0"/>
+                    <a:t>WC</a:t>
+                  </a:r>
+                  <a:endParaRPr lang="th-TH" sz="1200" dirty="0"/>
+                </a:p>
+              </p:txBody>
+            </p:sp>
+          </p:grpSp>
+          <p:sp>
+            <p:nvSpPr>
+              <p:cNvPr id="49" name="Rectangle 48">
+                <a:extLst>
+                  <a:ext uri="{FF2B5EF4-FFF2-40B4-BE49-F238E27FC236}">
+                    <a16:creationId xmlns:a16="http://schemas.microsoft.com/office/drawing/2014/main" id="{07D0312C-2574-AE4A-206E-EA5A7611D175}"/>
+                  </a:ext>
+                </a:extLst>
+              </p:cNvPr>
+              <p:cNvSpPr/>
+              <p:nvPr/>
+            </p:nvSpPr>
+            <p:spPr>
+              <a:xfrm>
+                <a:off x="3660602" y="2423375"/>
+                <a:ext cx="751021" cy="832515"/>
+              </a:xfrm>
+              <a:prstGeom prst="rect">
+                <a:avLst/>
+              </a:prstGeom>
+              <a:solidFill>
+                <a:srgbClr val="FBD1F6"/>
+              </a:solidFill>
+              <a:ln>
+                <a:noFill/>
+              </a:ln>
+            </p:spPr>
+            <p:style>
+              <a:lnRef idx="3">
+                <a:schemeClr val="lt1"/>
+              </a:lnRef>
+              <a:fillRef idx="1">
+                <a:schemeClr val="accent5"/>
+              </a:fillRef>
+              <a:effectRef idx="1">
+                <a:schemeClr val="accent5"/>
+              </a:effectRef>
+              <a:fontRef idx="minor">
+                <a:schemeClr val="lt1"/>
+              </a:fontRef>
+            </p:style>
+            <p:txBody>
+              <a:bodyPr rtlCol="0" anchor="ctr"/>
+              <a:lstStyle/>
+              <a:p>
+                <a:pPr algn="ctr"/>
+                <a:r>
+                  <a:rPr lang="en-US" sz="1800" dirty="0"/>
+                  <a:t>Th</a:t>
+                </a:r>
+                <a:endParaRPr lang="th-TH" sz="1800" dirty="0"/>
+              </a:p>
+            </p:txBody>
+          </p:sp>
+          <p:sp>
+            <p:nvSpPr>
+              <p:cNvPr id="50" name="Rectangle 49">
+                <a:extLst>
+                  <a:ext uri="{FF2B5EF4-FFF2-40B4-BE49-F238E27FC236}">
+                    <a16:creationId xmlns:a16="http://schemas.microsoft.com/office/drawing/2014/main" id="{41C58F20-19F7-B186-806F-466FDB4DE821}"/>
+                  </a:ext>
+                </a:extLst>
+              </p:cNvPr>
+              <p:cNvSpPr/>
+              <p:nvPr/>
+            </p:nvSpPr>
+            <p:spPr>
+              <a:xfrm>
+                <a:off x="2988172" y="2424366"/>
+                <a:ext cx="710609" cy="832515"/>
+              </a:xfrm>
+              <a:prstGeom prst="rect">
+                <a:avLst/>
+              </a:prstGeom>
+              <a:solidFill>
+                <a:srgbClr val="F8AEEF"/>
+              </a:solidFill>
+              <a:ln>
+                <a:noFill/>
+              </a:ln>
+            </p:spPr>
+            <p:style>
+              <a:lnRef idx="3">
+                <a:schemeClr val="lt1"/>
+              </a:lnRef>
+              <a:fillRef idx="1">
+                <a:schemeClr val="accent5"/>
+              </a:fillRef>
+              <a:effectRef idx="1">
+                <a:schemeClr val="accent5"/>
+              </a:effectRef>
+              <a:fontRef idx="minor">
+                <a:schemeClr val="lt1"/>
+              </a:fontRef>
+            </p:style>
+            <p:txBody>
+              <a:bodyPr rtlCol="0" anchor="ctr"/>
+              <a:lstStyle/>
+              <a:p>
+                <a:pPr algn="ctr"/>
+                <a:r>
+                  <a:rPr lang="en-US" sz="1800" dirty="0" err="1"/>
+                  <a:t>Pneu</a:t>
+                </a:r>
+                <a:endParaRPr lang="en-US" sz="1800" dirty="0"/>
+              </a:p>
+              <a:p>
+                <a:pPr algn="ctr"/>
+                <a:r>
+                  <a:rPr lang="en-US" sz="1800" dirty="0"/>
+                  <a:t>Lab</a:t>
+                </a:r>
+                <a:endParaRPr lang="th-TH" sz="1800" dirty="0"/>
+              </a:p>
+            </p:txBody>
+          </p:sp>
+          <p:sp>
+            <p:nvSpPr>
+              <p:cNvPr id="51" name="Rectangle 50">
+                <a:extLst>
+                  <a:ext uri="{FF2B5EF4-FFF2-40B4-BE49-F238E27FC236}">
+                    <a16:creationId xmlns:a16="http://schemas.microsoft.com/office/drawing/2014/main" id="{6B86F24C-4CA7-ACA4-B1EE-949356B3766C}"/>
+                  </a:ext>
+                </a:extLst>
+              </p:cNvPr>
+              <p:cNvSpPr/>
+              <p:nvPr/>
+            </p:nvSpPr>
+            <p:spPr>
+              <a:xfrm>
+                <a:off x="2990705" y="3255890"/>
+                <a:ext cx="705725" cy="696651"/>
+              </a:xfrm>
+              <a:prstGeom prst="rect">
+                <a:avLst/>
+              </a:prstGeom>
+              <a:solidFill>
+                <a:schemeClr val="accent5">
+                  <a:lumMod val="75000"/>
+                </a:schemeClr>
+              </a:solidFill>
+              <a:ln>
+                <a:noFill/>
+              </a:ln>
+            </p:spPr>
+            <p:style>
+              <a:lnRef idx="3">
+                <a:schemeClr val="lt1"/>
+              </a:lnRef>
+              <a:fillRef idx="1">
+                <a:schemeClr val="accent2"/>
+              </a:fillRef>
+              <a:effectRef idx="1">
+                <a:schemeClr val="accent2"/>
+              </a:effectRef>
+              <a:fontRef idx="minor">
+                <a:schemeClr val="lt1"/>
+              </a:fontRef>
+            </p:style>
+            <p:txBody>
+              <a:bodyPr rtlCol="0" anchor="ctr"/>
+              <a:lstStyle/>
+              <a:p>
+                <a:pPr algn="ctr"/>
+                <a:r>
+                  <a:rPr lang="en-US" sz="1800" dirty="0"/>
+                  <a:t>413</a:t>
+                </a:r>
+                <a:endParaRPr lang="th-TH" sz="1800" dirty="0"/>
+              </a:p>
+            </p:txBody>
+          </p:sp>
+          <p:sp>
+            <p:nvSpPr>
+              <p:cNvPr id="52" name="Rectangle 51">
+                <a:extLst>
+                  <a:ext uri="{FF2B5EF4-FFF2-40B4-BE49-F238E27FC236}">
+                    <a16:creationId xmlns:a16="http://schemas.microsoft.com/office/drawing/2014/main" id="{56C56367-A53D-808D-E421-4EE8B7EE0AC3}"/>
+                  </a:ext>
+                </a:extLst>
+              </p:cNvPr>
+              <p:cNvSpPr/>
+              <p:nvPr/>
+            </p:nvSpPr>
+            <p:spPr>
+              <a:xfrm>
+                <a:off x="3691823" y="3261365"/>
+                <a:ext cx="713012" cy="680309"/>
+              </a:xfrm>
+              <a:prstGeom prst="rect">
+                <a:avLst/>
+              </a:prstGeom>
+              <a:solidFill>
+                <a:schemeClr val="accent5">
+                  <a:lumMod val="40000"/>
+                  <a:lumOff val="60000"/>
+                </a:schemeClr>
+              </a:solidFill>
+              <a:ln>
+                <a:noFill/>
+              </a:ln>
+            </p:spPr>
+            <p:style>
+              <a:lnRef idx="3">
+                <a:schemeClr val="lt1"/>
+              </a:lnRef>
+              <a:fillRef idx="1">
+                <a:schemeClr val="accent2"/>
+              </a:fillRef>
+              <a:effectRef idx="1">
+                <a:schemeClr val="accent2"/>
+              </a:effectRef>
+              <a:fontRef idx="minor">
+                <a:schemeClr val="lt1"/>
+              </a:fontRef>
+            </p:style>
+            <p:txBody>
+              <a:bodyPr rtlCol="0" anchor="ctr"/>
+              <a:lstStyle/>
+              <a:p>
+                <a:pPr algn="ctr"/>
+                <a:r>
+                  <a:rPr lang="en-US" sz="1800" dirty="0"/>
+                  <a:t>415</a:t>
+                </a:r>
+                <a:endParaRPr lang="th-TH" sz="1800" dirty="0"/>
+              </a:p>
+            </p:txBody>
+          </p:sp>
+          <p:sp>
+            <p:nvSpPr>
+              <p:cNvPr id="53" name="Rectangle 52">
+                <a:extLst>
+                  <a:ext uri="{FF2B5EF4-FFF2-40B4-BE49-F238E27FC236}">
+                    <a16:creationId xmlns:a16="http://schemas.microsoft.com/office/drawing/2014/main" id="{1703BD8D-FAF4-4886-8989-EF63973F47E4}"/>
+                  </a:ext>
+                </a:extLst>
+              </p:cNvPr>
+              <p:cNvSpPr/>
+              <p:nvPr/>
+            </p:nvSpPr>
+            <p:spPr>
+              <a:xfrm>
+                <a:off x="4353458" y="3931307"/>
+                <a:ext cx="58165" cy="298931"/>
+              </a:xfrm>
+              <a:prstGeom prst="rect">
+                <a:avLst/>
+              </a:prstGeom>
+              <a:solidFill>
+                <a:schemeClr val="accent5">
+                  <a:lumMod val="50000"/>
+                </a:schemeClr>
+              </a:solidFill>
+              <a:ln>
+                <a:noFill/>
+              </a:ln>
+            </p:spPr>
+            <p:style>
+              <a:lnRef idx="3">
+                <a:schemeClr val="lt1"/>
+              </a:lnRef>
+              <a:fillRef idx="1">
+                <a:schemeClr val="accent2"/>
+              </a:fillRef>
+              <a:effectRef idx="1">
+                <a:schemeClr val="accent2"/>
+              </a:effectRef>
+              <a:fontRef idx="minor">
+                <a:schemeClr val="lt1"/>
+              </a:fontRef>
+            </p:style>
+            <p:txBody>
+              <a:bodyPr rtlCol="0" anchor="ctr"/>
+              <a:lstStyle/>
+              <a:p>
+                <a:pPr algn="ctr"/>
+                <a:endParaRPr lang="th-TH" sz="1800"/>
+              </a:p>
+            </p:txBody>
+          </p:sp>
+          <p:sp>
+            <p:nvSpPr>
+              <p:cNvPr id="54" name="Rectangle 53">
+                <a:extLst>
+                  <a:ext uri="{FF2B5EF4-FFF2-40B4-BE49-F238E27FC236}">
+                    <a16:creationId xmlns:a16="http://schemas.microsoft.com/office/drawing/2014/main" id="{910F2833-142E-B3FA-3554-9A27D834D090}"/>
+                  </a:ext>
+                </a:extLst>
+              </p:cNvPr>
+              <p:cNvSpPr/>
+              <p:nvPr/>
+            </p:nvSpPr>
+            <p:spPr>
+              <a:xfrm>
+                <a:off x="4993530" y="5014018"/>
+                <a:ext cx="85153" cy="275809"/>
+              </a:xfrm>
+              <a:prstGeom prst="rect">
+                <a:avLst/>
+              </a:prstGeom>
+              <a:solidFill>
+                <a:schemeClr val="accent5">
+                  <a:lumMod val="50000"/>
+                </a:schemeClr>
+              </a:solidFill>
+              <a:ln>
+                <a:noFill/>
+              </a:ln>
+            </p:spPr>
+            <p:style>
+              <a:lnRef idx="3">
+                <a:schemeClr val="lt1"/>
+              </a:lnRef>
+              <a:fillRef idx="1">
+                <a:schemeClr val="accent2"/>
+              </a:fillRef>
+              <a:effectRef idx="1">
+                <a:schemeClr val="accent2"/>
+              </a:effectRef>
+              <a:fontRef idx="minor">
+                <a:schemeClr val="lt1"/>
+              </a:fontRef>
+            </p:style>
+            <p:txBody>
+              <a:bodyPr rtlCol="0" anchor="ctr"/>
+              <a:lstStyle/>
+              <a:p>
+                <a:pPr algn="ctr"/>
+                <a:endParaRPr lang="th-TH" sz="1800"/>
+              </a:p>
+            </p:txBody>
+          </p:sp>
+          <p:sp>
+            <p:nvSpPr>
+              <p:cNvPr id="55" name="Rectangle 54">
+                <a:extLst>
+                  <a:ext uri="{FF2B5EF4-FFF2-40B4-BE49-F238E27FC236}">
+                    <a16:creationId xmlns:a16="http://schemas.microsoft.com/office/drawing/2014/main" id="{F31F527E-6534-9A69-3E78-3BF829ADDB7E}"/>
+                  </a:ext>
+                </a:extLst>
+              </p:cNvPr>
+              <p:cNvSpPr/>
+              <p:nvPr/>
+            </p:nvSpPr>
+            <p:spPr>
+              <a:xfrm rot="19682726">
+                <a:off x="6075298" y="565388"/>
+                <a:ext cx="405840" cy="372163"/>
+              </a:xfrm>
+              <a:prstGeom prst="rect">
+                <a:avLst/>
+              </a:prstGeom>
+              <a:solidFill>
+                <a:schemeClr val="accent5">
+                  <a:lumMod val="75000"/>
+                </a:schemeClr>
+              </a:solidFill>
+              <a:ln>
+                <a:noFill/>
+              </a:ln>
+            </p:spPr>
+            <p:style>
+              <a:lnRef idx="2">
+                <a:schemeClr val="accent4">
+                  <a:shade val="15000"/>
+                </a:schemeClr>
+              </a:lnRef>
+              <a:fillRef idx="1">
+                <a:schemeClr val="accent4"/>
+              </a:fillRef>
+              <a:effectRef idx="0">
+                <a:schemeClr val="accent4"/>
+              </a:effectRef>
+              <a:fontRef idx="minor">
+                <a:schemeClr val="lt1"/>
+              </a:fontRef>
+            </p:style>
+            <p:txBody>
+              <a:bodyPr rtlCol="0" anchor="ctr"/>
+              <a:lstStyle/>
+              <a:p>
+                <a:pPr algn="ctr"/>
+                <a:r>
+                  <a:rPr lang="en-US" sz="1800" dirty="0"/>
+                  <a:t>W</a:t>
+                </a:r>
+                <a:endParaRPr lang="th-TH" sz="1800" dirty="0"/>
+              </a:p>
+            </p:txBody>
+          </p:sp>
+          <p:sp>
+            <p:nvSpPr>
+              <p:cNvPr id="56" name="Rectangle 55">
+                <a:extLst>
+                  <a:ext uri="{FF2B5EF4-FFF2-40B4-BE49-F238E27FC236}">
+                    <a16:creationId xmlns:a16="http://schemas.microsoft.com/office/drawing/2014/main" id="{BDBDBC74-62F1-D435-1A22-78258705931D}"/>
+                  </a:ext>
+                </a:extLst>
+              </p:cNvPr>
+              <p:cNvSpPr/>
+              <p:nvPr/>
+            </p:nvSpPr>
+            <p:spPr>
+              <a:xfrm rot="19682726">
+                <a:off x="6387413" y="363300"/>
+                <a:ext cx="404072" cy="377017"/>
+              </a:xfrm>
+              <a:prstGeom prst="rect">
+                <a:avLst/>
+              </a:prstGeom>
+              <a:solidFill>
+                <a:srgbClr val="00B050"/>
+              </a:solidFill>
+              <a:ln>
+                <a:noFill/>
+              </a:ln>
+            </p:spPr>
+            <p:style>
+              <a:lnRef idx="2">
+                <a:schemeClr val="accent4">
+                  <a:shade val="15000"/>
+                </a:schemeClr>
+              </a:lnRef>
+              <a:fillRef idx="1">
+                <a:schemeClr val="accent4"/>
+              </a:fillRef>
+              <a:effectRef idx="0">
+                <a:schemeClr val="accent4"/>
+              </a:effectRef>
+              <a:fontRef idx="minor">
+                <a:schemeClr val="lt1"/>
+              </a:fontRef>
+            </p:style>
+            <p:txBody>
+              <a:bodyPr rtlCol="0" anchor="ctr"/>
+              <a:lstStyle/>
+              <a:p>
+                <a:pPr algn="ctr"/>
+                <a:r>
+                  <a:rPr lang="en-US" sz="1800" dirty="0"/>
+                  <a:t>H</a:t>
+                </a:r>
+                <a:endParaRPr lang="th-TH" sz="1800" dirty="0"/>
+              </a:p>
+            </p:txBody>
+          </p:sp>
+          <p:sp>
+            <p:nvSpPr>
+              <p:cNvPr id="57" name="Rectangle 56">
+                <a:extLst>
+                  <a:ext uri="{FF2B5EF4-FFF2-40B4-BE49-F238E27FC236}">
+                    <a16:creationId xmlns:a16="http://schemas.microsoft.com/office/drawing/2014/main" id="{9E19B510-8D40-CC3F-43D5-25695A4BF6A5}"/>
+                  </a:ext>
+                </a:extLst>
+              </p:cNvPr>
+              <p:cNvSpPr/>
+              <p:nvPr/>
+            </p:nvSpPr>
+            <p:spPr>
+              <a:xfrm rot="19682726">
+                <a:off x="6711283" y="175951"/>
+                <a:ext cx="354870" cy="377017"/>
+              </a:xfrm>
+              <a:prstGeom prst="rect">
+                <a:avLst/>
+              </a:prstGeom>
+              <a:solidFill>
+                <a:srgbClr val="CC9900"/>
+              </a:solidFill>
+              <a:ln>
+                <a:noFill/>
+              </a:ln>
+            </p:spPr>
+            <p:style>
+              <a:lnRef idx="2">
+                <a:schemeClr val="accent4">
+                  <a:shade val="15000"/>
+                </a:schemeClr>
+              </a:lnRef>
+              <a:fillRef idx="1">
+                <a:schemeClr val="accent4"/>
+              </a:fillRef>
+              <a:effectRef idx="0">
+                <a:schemeClr val="accent4"/>
+              </a:effectRef>
+              <a:fontRef idx="minor">
+                <a:schemeClr val="lt1"/>
+              </a:fontRef>
+            </p:style>
+            <p:txBody>
+              <a:bodyPr rtlCol="0" anchor="ctr"/>
+              <a:lstStyle/>
+              <a:p>
+                <a:pPr algn="ctr"/>
+                <a:r>
+                  <a:rPr lang="en-US" sz="1800" dirty="0"/>
+                  <a:t>S</a:t>
+                </a:r>
+                <a:endParaRPr lang="th-TH" sz="1800" dirty="0"/>
+              </a:p>
+            </p:txBody>
+          </p:sp>
+        </p:grpSp>
         <p:sp>
           <p:nvSpPr>
-            <p:cNvPr id="32" name="Rectangle 31">
+            <p:cNvPr id="59" name="Rectangle 58">
               <a:extLst>
                 <a:ext uri="{FF2B5EF4-FFF2-40B4-BE49-F238E27FC236}">
-                  <a16:creationId xmlns:a16="http://schemas.microsoft.com/office/drawing/2014/main" id="{9D861073-CA69-96FC-B59B-6CE60B73CE6C}"/>
+                  <a16:creationId xmlns:a16="http://schemas.microsoft.com/office/drawing/2014/main" id="{A378565F-F6AF-84AF-1747-0A1F10A7D35C}"/>
                 </a:ext>
               </a:extLst>
             </p:cNvPr>
@@ -3430,855 +5693,15 @@
           </p:nvSpPr>
           <p:spPr>
             <a:xfrm>
-              <a:off x="4633181" y="5069515"/>
-              <a:ext cx="2860991" cy="604652"/>
-            </a:xfrm>
-            <a:prstGeom prst="rect">
-              <a:avLst/>
-            </a:prstGeom>
-            <a:ln>
-              <a:noFill/>
-            </a:ln>
-          </p:spPr>
-          <p:style>
-            <a:lnRef idx="2">
-              <a:schemeClr val="accent3">
-                <a:shade val="15000"/>
-              </a:schemeClr>
-            </a:lnRef>
-            <a:fillRef idx="1">
-              <a:schemeClr val="accent3"/>
-            </a:fillRef>
-            <a:effectRef idx="0">
-              <a:schemeClr val="accent3"/>
-            </a:effectRef>
-            <a:fontRef idx="minor">
-              <a:schemeClr val="lt1"/>
-            </a:fontRef>
-          </p:style>
-          <p:txBody>
-            <a:bodyPr rtlCol="0" anchor="ctr"/>
-            <a:lstStyle/>
-            <a:p>
-              <a:pPr algn="ctr"/>
-              <a:endParaRPr lang="th-TH" sz="1800"/>
-            </a:p>
-          </p:txBody>
-        </p:sp>
-        <p:sp>
-          <p:nvSpPr>
-            <p:cNvPr id="23" name="Rectangle 22">
-              <a:extLst>
-                <a:ext uri="{FF2B5EF4-FFF2-40B4-BE49-F238E27FC236}">
-                  <a16:creationId xmlns:a16="http://schemas.microsoft.com/office/drawing/2014/main" id="{27C354A2-A084-5804-4D65-A20AE84ADC99}"/>
-                </a:ext>
-              </a:extLst>
-            </p:cNvPr>
-            <p:cNvSpPr/>
-            <p:nvPr/>
-          </p:nvSpPr>
-          <p:spPr>
-            <a:xfrm>
-              <a:off x="3378805" y="1033949"/>
-              <a:ext cx="3738502" cy="576975"/>
-            </a:xfrm>
-            <a:prstGeom prst="rect">
-              <a:avLst/>
-            </a:prstGeom>
-            <a:ln>
-              <a:noFill/>
-            </a:ln>
-          </p:spPr>
-          <p:style>
-            <a:lnRef idx="2">
-              <a:schemeClr val="accent3">
-                <a:shade val="15000"/>
-              </a:schemeClr>
-            </a:lnRef>
-            <a:fillRef idx="1">
-              <a:schemeClr val="accent3"/>
-            </a:fillRef>
-            <a:effectRef idx="0">
-              <a:schemeClr val="accent3"/>
-            </a:effectRef>
-            <a:fontRef idx="minor">
-              <a:schemeClr val="lt1"/>
-            </a:fontRef>
-          </p:style>
-          <p:txBody>
-            <a:bodyPr rtlCol="0" anchor="ctr"/>
-            <a:lstStyle/>
-            <a:p>
-              <a:pPr algn="ctr"/>
-              <a:endParaRPr lang="th-TH" sz="1800"/>
-            </a:p>
-          </p:txBody>
-        </p:sp>
-        <p:sp>
-          <p:nvSpPr>
-            <p:cNvPr id="11" name="Rectangle 10">
-              <a:extLst>
-                <a:ext uri="{FF2B5EF4-FFF2-40B4-BE49-F238E27FC236}">
-                  <a16:creationId xmlns:a16="http://schemas.microsoft.com/office/drawing/2014/main" id="{6BA12EF1-9779-7238-34AF-FF484BB59DA0}"/>
-                </a:ext>
-              </a:extLst>
-            </p:cNvPr>
-            <p:cNvSpPr/>
-            <p:nvPr/>
-          </p:nvSpPr>
-          <p:spPr>
-            <a:xfrm rot="19682726">
-              <a:off x="5457748" y="338238"/>
-              <a:ext cx="2893429" cy="2191873"/>
-            </a:xfrm>
-            <a:prstGeom prst="rect">
-              <a:avLst/>
-            </a:prstGeom>
-            <a:ln>
-              <a:noFill/>
-            </a:ln>
-          </p:spPr>
-          <p:style>
-            <a:lnRef idx="2">
-              <a:schemeClr val="accent3">
-                <a:shade val="15000"/>
-              </a:schemeClr>
-            </a:lnRef>
-            <a:fillRef idx="1">
-              <a:schemeClr val="accent3"/>
-            </a:fillRef>
-            <a:effectRef idx="0">
-              <a:schemeClr val="accent3"/>
-            </a:effectRef>
-            <a:fontRef idx="minor">
-              <a:schemeClr val="lt1"/>
-            </a:fontRef>
-          </p:style>
-          <p:txBody>
-            <a:bodyPr rtlCol="0" anchor="ctr"/>
-            <a:lstStyle/>
-            <a:p>
-              <a:pPr algn="ctr"/>
-              <a:endParaRPr lang="th-TH" sz="1800"/>
-            </a:p>
-          </p:txBody>
-        </p:sp>
-        <p:sp>
-          <p:nvSpPr>
-            <p:cNvPr id="12" name="Rectangle 11">
-              <a:extLst>
-                <a:ext uri="{FF2B5EF4-FFF2-40B4-BE49-F238E27FC236}">
-                  <a16:creationId xmlns:a16="http://schemas.microsoft.com/office/drawing/2014/main" id="{428B50EC-EA36-249A-9C57-BE26A90E452D}"/>
-                </a:ext>
-              </a:extLst>
-            </p:cNvPr>
-            <p:cNvSpPr/>
-            <p:nvPr/>
-          </p:nvSpPr>
-          <p:spPr>
-            <a:xfrm rot="19682726">
-              <a:off x="6412689" y="410279"/>
-              <a:ext cx="590045" cy="1671378"/>
-            </a:xfrm>
-            <a:prstGeom prst="rect">
-              <a:avLst/>
-            </a:prstGeom>
-            <a:solidFill>
-              <a:schemeClr val="accent4">
-                <a:lumMod val="40000"/>
-                <a:lumOff val="60000"/>
-              </a:schemeClr>
-            </a:solidFill>
-            <a:ln>
-              <a:noFill/>
-            </a:ln>
-          </p:spPr>
-          <p:style>
-            <a:lnRef idx="2">
-              <a:schemeClr val="accent4">
-                <a:shade val="15000"/>
-              </a:schemeClr>
-            </a:lnRef>
-            <a:fillRef idx="1">
-              <a:schemeClr val="accent4"/>
-            </a:fillRef>
-            <a:effectRef idx="0">
-              <a:schemeClr val="accent4"/>
-            </a:effectRef>
-            <a:fontRef idx="minor">
-              <a:schemeClr val="lt1"/>
-            </a:fontRef>
-          </p:style>
-          <p:txBody>
-            <a:bodyPr rtlCol="0" anchor="ctr"/>
-            <a:lstStyle/>
-            <a:p>
-              <a:pPr algn="ctr"/>
-              <a:r>
-                <a:rPr lang="en-US" sz="1800" dirty="0"/>
-                <a:t>421</a:t>
-              </a:r>
-              <a:endParaRPr lang="th-TH" sz="1800" dirty="0"/>
-            </a:p>
-          </p:txBody>
-        </p:sp>
-        <p:sp>
-          <p:nvSpPr>
-            <p:cNvPr id="13" name="Rectangle 12">
-              <a:extLst>
-                <a:ext uri="{FF2B5EF4-FFF2-40B4-BE49-F238E27FC236}">
-                  <a16:creationId xmlns:a16="http://schemas.microsoft.com/office/drawing/2014/main" id="{EF0BB183-0A5B-8363-1F8F-F95D750D323D}"/>
-                </a:ext>
-              </a:extLst>
-            </p:cNvPr>
-            <p:cNvSpPr/>
-            <p:nvPr/>
-          </p:nvSpPr>
-          <p:spPr>
-            <a:xfrm rot="19682726">
-              <a:off x="6870279" y="129610"/>
-              <a:ext cx="562682" cy="1672521"/>
-            </a:xfrm>
-            <a:prstGeom prst="rect">
-              <a:avLst/>
-            </a:prstGeom>
-            <a:solidFill>
-              <a:schemeClr val="accent4">
-                <a:lumMod val="60000"/>
-                <a:lumOff val="40000"/>
-              </a:schemeClr>
-            </a:solidFill>
-            <a:ln>
-              <a:noFill/>
-            </a:ln>
-          </p:spPr>
-          <p:style>
-            <a:lnRef idx="2">
-              <a:schemeClr val="accent4">
-                <a:shade val="15000"/>
-              </a:schemeClr>
-            </a:lnRef>
-            <a:fillRef idx="1">
-              <a:schemeClr val="accent4"/>
-            </a:fillRef>
-            <a:effectRef idx="0">
-              <a:schemeClr val="accent4"/>
-            </a:effectRef>
-            <a:fontRef idx="minor">
-              <a:schemeClr val="lt1"/>
-            </a:fontRef>
-          </p:style>
-          <p:txBody>
-            <a:bodyPr rtlCol="0" anchor="ctr"/>
-            <a:lstStyle/>
-            <a:p>
-              <a:pPr algn="ctr"/>
-              <a:r>
-                <a:rPr lang="en-US" sz="1800" dirty="0"/>
-                <a:t>422</a:t>
-              </a:r>
-              <a:endParaRPr lang="th-TH" sz="1800" dirty="0"/>
-            </a:p>
-          </p:txBody>
-        </p:sp>
-        <p:sp>
-          <p:nvSpPr>
-            <p:cNvPr id="20" name="Rectangle 19">
-              <a:extLst>
-                <a:ext uri="{FF2B5EF4-FFF2-40B4-BE49-F238E27FC236}">
-                  <a16:creationId xmlns:a16="http://schemas.microsoft.com/office/drawing/2014/main" id="{6C2FD347-F56A-96DD-EDB8-7D4CD04339FA}"/>
-                </a:ext>
-              </a:extLst>
-            </p:cNvPr>
-            <p:cNvSpPr/>
-            <p:nvPr/>
-          </p:nvSpPr>
-          <p:spPr>
-            <a:xfrm>
-              <a:off x="6719560" y="2253058"/>
-              <a:ext cx="539222" cy="3885792"/>
-            </a:xfrm>
-            <a:prstGeom prst="rect">
-              <a:avLst/>
-            </a:prstGeom>
-            <a:ln>
-              <a:noFill/>
-            </a:ln>
-          </p:spPr>
-          <p:style>
-            <a:lnRef idx="2">
-              <a:schemeClr val="accent3">
-                <a:shade val="15000"/>
-              </a:schemeClr>
-            </a:lnRef>
-            <a:fillRef idx="1">
-              <a:schemeClr val="accent3"/>
-            </a:fillRef>
-            <a:effectRef idx="0">
-              <a:schemeClr val="accent3"/>
-            </a:effectRef>
-            <a:fontRef idx="minor">
-              <a:schemeClr val="lt1"/>
-            </a:fontRef>
-          </p:style>
-          <p:txBody>
-            <a:bodyPr rtlCol="0" anchor="ctr"/>
-            <a:lstStyle/>
-            <a:p>
-              <a:pPr algn="ctr"/>
-              <a:endParaRPr lang="th-TH" sz="1800"/>
-            </a:p>
-          </p:txBody>
-        </p:sp>
-        <p:sp>
-          <p:nvSpPr>
-            <p:cNvPr id="21" name="Rectangle 20">
-              <a:extLst>
-                <a:ext uri="{FF2B5EF4-FFF2-40B4-BE49-F238E27FC236}">
-                  <a16:creationId xmlns:a16="http://schemas.microsoft.com/office/drawing/2014/main" id="{B6814923-994B-8506-5E6E-8E6F599CE7EE}"/>
-                </a:ext>
-              </a:extLst>
-            </p:cNvPr>
-            <p:cNvSpPr/>
-            <p:nvPr/>
-          </p:nvSpPr>
-          <p:spPr>
-            <a:xfrm>
-              <a:off x="6438157" y="2475607"/>
-              <a:ext cx="539222" cy="981698"/>
-            </a:xfrm>
-            <a:prstGeom prst="rect">
-              <a:avLst/>
-            </a:prstGeom>
-            <a:ln>
-              <a:noFill/>
-            </a:ln>
-          </p:spPr>
-          <p:style>
-            <a:lnRef idx="2">
-              <a:schemeClr val="accent3">
-                <a:shade val="15000"/>
-              </a:schemeClr>
-            </a:lnRef>
-            <a:fillRef idx="1">
-              <a:schemeClr val="accent3"/>
-            </a:fillRef>
-            <a:effectRef idx="0">
-              <a:schemeClr val="accent3"/>
-            </a:effectRef>
-            <a:fontRef idx="minor">
-              <a:schemeClr val="lt1"/>
-            </a:fontRef>
-          </p:style>
-          <p:txBody>
-            <a:bodyPr rtlCol="0" anchor="ctr"/>
-            <a:lstStyle/>
-            <a:p>
-              <a:pPr algn="ctr"/>
-              <a:endParaRPr lang="th-TH" sz="1800"/>
-            </a:p>
-          </p:txBody>
-        </p:sp>
-        <p:sp>
-          <p:nvSpPr>
-            <p:cNvPr id="19" name="Rectangle 18">
-              <a:extLst>
-                <a:ext uri="{FF2B5EF4-FFF2-40B4-BE49-F238E27FC236}">
-                  <a16:creationId xmlns:a16="http://schemas.microsoft.com/office/drawing/2014/main" id="{8ACB37DD-8110-ACFD-5D07-85649774AFCE}"/>
-                </a:ext>
-              </a:extLst>
-            </p:cNvPr>
-            <p:cNvSpPr/>
-            <p:nvPr/>
-          </p:nvSpPr>
-          <p:spPr>
-            <a:xfrm rot="19682726">
-              <a:off x="5852306" y="1367105"/>
-              <a:ext cx="747588" cy="2047501"/>
-            </a:xfrm>
-            <a:prstGeom prst="rect">
-              <a:avLst/>
-            </a:prstGeom>
-            <a:ln>
-              <a:noFill/>
-            </a:ln>
-          </p:spPr>
-          <p:style>
-            <a:lnRef idx="2">
-              <a:schemeClr val="accent3">
-                <a:shade val="15000"/>
-              </a:schemeClr>
-            </a:lnRef>
-            <a:fillRef idx="1">
-              <a:schemeClr val="accent3"/>
-            </a:fillRef>
-            <a:effectRef idx="0">
-              <a:schemeClr val="accent3"/>
-            </a:effectRef>
-            <a:fontRef idx="minor">
-              <a:schemeClr val="lt1"/>
-            </a:fontRef>
-          </p:style>
-          <p:txBody>
-            <a:bodyPr rtlCol="0" anchor="ctr"/>
-            <a:lstStyle/>
-            <a:p>
-              <a:pPr algn="ctr"/>
-              <a:endParaRPr lang="th-TH" sz="1800"/>
-            </a:p>
-          </p:txBody>
-        </p:sp>
-        <p:sp>
-          <p:nvSpPr>
-            <p:cNvPr id="8" name="Rectangle 7">
-              <a:extLst>
-                <a:ext uri="{FF2B5EF4-FFF2-40B4-BE49-F238E27FC236}">
-                  <a16:creationId xmlns:a16="http://schemas.microsoft.com/office/drawing/2014/main" id="{12AB7109-BAAE-6954-6877-E4A582689C5A}"/>
-                </a:ext>
-              </a:extLst>
-            </p:cNvPr>
-            <p:cNvSpPr/>
-            <p:nvPr/>
-          </p:nvSpPr>
-          <p:spPr>
-            <a:xfrm rot="19682726">
-              <a:off x="7470699" y="-236757"/>
-              <a:ext cx="720552" cy="2191873"/>
-            </a:xfrm>
-            <a:prstGeom prst="rect">
-              <a:avLst/>
-            </a:prstGeom>
-            <a:ln>
-              <a:noFill/>
-            </a:ln>
-          </p:spPr>
-          <p:style>
-            <a:lnRef idx="2">
-              <a:schemeClr val="accent4">
-                <a:shade val="15000"/>
-              </a:schemeClr>
-            </a:lnRef>
-            <a:fillRef idx="1">
-              <a:schemeClr val="accent4"/>
-            </a:fillRef>
-            <a:effectRef idx="0">
-              <a:schemeClr val="accent4"/>
-            </a:effectRef>
-            <a:fontRef idx="minor">
-              <a:schemeClr val="lt1"/>
-            </a:fontRef>
-          </p:style>
-          <p:txBody>
-            <a:bodyPr rtlCol="0" anchor="ctr"/>
-            <a:lstStyle/>
-            <a:p>
-              <a:pPr algn="ctr"/>
-              <a:r>
-                <a:rPr lang="en-US" sz="1800" dirty="0"/>
-                <a:t>423</a:t>
-              </a:r>
-            </a:p>
-          </p:txBody>
-        </p:sp>
-        <p:sp>
-          <p:nvSpPr>
-            <p:cNvPr id="14" name="Rectangle 13">
-              <a:extLst>
-                <a:ext uri="{FF2B5EF4-FFF2-40B4-BE49-F238E27FC236}">
-                  <a16:creationId xmlns:a16="http://schemas.microsoft.com/office/drawing/2014/main" id="{5DE53D87-EA5D-09EF-EBE6-85C8A5A3FE0A}"/>
-                </a:ext>
-              </a:extLst>
-            </p:cNvPr>
-            <p:cNvSpPr/>
-            <p:nvPr/>
-          </p:nvSpPr>
-          <p:spPr>
-            <a:xfrm rot="19682726">
-              <a:off x="5467674" y="1498419"/>
-              <a:ext cx="665916" cy="564663"/>
-            </a:xfrm>
-            <a:prstGeom prst="rect">
-              <a:avLst/>
-            </a:prstGeom>
-            <a:solidFill>
-              <a:srgbClr val="7030A0"/>
-            </a:solidFill>
-            <a:ln>
-              <a:noFill/>
-            </a:ln>
-          </p:spPr>
-          <p:style>
-            <a:lnRef idx="2">
-              <a:schemeClr val="accent4">
-                <a:shade val="15000"/>
-              </a:schemeClr>
-            </a:lnRef>
-            <a:fillRef idx="1">
-              <a:schemeClr val="accent4"/>
-            </a:fillRef>
-            <a:effectRef idx="0">
-              <a:schemeClr val="accent4"/>
-            </a:effectRef>
-            <a:fontRef idx="minor">
-              <a:schemeClr val="lt1"/>
-            </a:fontRef>
-          </p:style>
-          <p:txBody>
-            <a:bodyPr rtlCol="0" anchor="ctr"/>
-            <a:lstStyle/>
-            <a:p>
-              <a:pPr algn="ctr"/>
-              <a:r>
-                <a:rPr lang="en-US" sz="1800" dirty="0"/>
-                <a:t>419</a:t>
-              </a:r>
-              <a:endParaRPr lang="th-TH" sz="1800" dirty="0"/>
-            </a:p>
-          </p:txBody>
-        </p:sp>
-        <p:sp>
-          <p:nvSpPr>
-            <p:cNvPr id="15" name="Rectangle 14">
-              <a:extLst>
-                <a:ext uri="{FF2B5EF4-FFF2-40B4-BE49-F238E27FC236}">
-                  <a16:creationId xmlns:a16="http://schemas.microsoft.com/office/drawing/2014/main" id="{5153868B-DE43-66EB-A2FC-0996042EF4EF}"/>
-                </a:ext>
-              </a:extLst>
-            </p:cNvPr>
-            <p:cNvSpPr/>
-            <p:nvPr/>
-          </p:nvSpPr>
-          <p:spPr>
-            <a:xfrm rot="19682726">
-              <a:off x="5763957" y="1970727"/>
-              <a:ext cx="667771" cy="564663"/>
-            </a:xfrm>
-            <a:prstGeom prst="rect">
-              <a:avLst/>
-            </a:prstGeom>
-            <a:solidFill>
-              <a:srgbClr val="002060"/>
-            </a:solidFill>
-            <a:ln>
-              <a:noFill/>
-            </a:ln>
-          </p:spPr>
-          <p:style>
-            <a:lnRef idx="2">
-              <a:schemeClr val="accent4">
-                <a:shade val="15000"/>
-              </a:schemeClr>
-            </a:lnRef>
-            <a:fillRef idx="1">
-              <a:schemeClr val="accent4"/>
-            </a:fillRef>
-            <a:effectRef idx="0">
-              <a:schemeClr val="accent4"/>
-            </a:effectRef>
-            <a:fontRef idx="minor">
-              <a:schemeClr val="lt1"/>
-            </a:fontRef>
-          </p:style>
-          <p:txBody>
-            <a:bodyPr rtlCol="0" anchor="ctr"/>
-            <a:lstStyle/>
-            <a:p>
-              <a:pPr algn="ctr"/>
-              <a:r>
-                <a:rPr lang="en-US" sz="1800" dirty="0"/>
-                <a:t>420</a:t>
-              </a:r>
-              <a:endParaRPr lang="th-TH" sz="1800" dirty="0"/>
-            </a:p>
-          </p:txBody>
-        </p:sp>
-        <p:sp>
-          <p:nvSpPr>
-            <p:cNvPr id="16" name="Rectangle 15">
-              <a:extLst>
-                <a:ext uri="{FF2B5EF4-FFF2-40B4-BE49-F238E27FC236}">
-                  <a16:creationId xmlns:a16="http://schemas.microsoft.com/office/drawing/2014/main" id="{E07B48A9-4FD2-AA7F-1D3E-7E4D44B27162}"/>
-                </a:ext>
-              </a:extLst>
-            </p:cNvPr>
-            <p:cNvSpPr/>
-            <p:nvPr/>
-          </p:nvSpPr>
-          <p:spPr>
-            <a:xfrm rot="19682726">
-              <a:off x="6132939" y="2588795"/>
-              <a:ext cx="667771" cy="530587"/>
-            </a:xfrm>
-            <a:prstGeom prst="rect">
-              <a:avLst/>
-            </a:prstGeom>
-            <a:ln>
-              <a:noFill/>
-            </a:ln>
-          </p:spPr>
-          <p:style>
-            <a:lnRef idx="2">
-              <a:schemeClr val="accent4">
-                <a:shade val="15000"/>
-              </a:schemeClr>
-            </a:lnRef>
-            <a:fillRef idx="1">
-              <a:schemeClr val="accent4"/>
-            </a:fillRef>
-            <a:effectRef idx="0">
-              <a:schemeClr val="accent4"/>
-            </a:effectRef>
-            <a:fontRef idx="minor">
-              <a:schemeClr val="lt1"/>
-            </a:fontRef>
-          </p:style>
-          <p:txBody>
-            <a:bodyPr rtlCol="0" anchor="ctr"/>
-            <a:lstStyle/>
-            <a:p>
-              <a:pPr algn="ctr"/>
-              <a:r>
-                <a:rPr lang="en-US" sz="1800" dirty="0"/>
-                <a:t>Elevator</a:t>
-              </a:r>
-              <a:endParaRPr lang="th-TH" sz="1800" dirty="0"/>
-            </a:p>
-          </p:txBody>
-        </p:sp>
-        <p:sp>
-          <p:nvSpPr>
-            <p:cNvPr id="17" name="Rectangle 16">
-              <a:extLst>
-                <a:ext uri="{FF2B5EF4-FFF2-40B4-BE49-F238E27FC236}">
-                  <a16:creationId xmlns:a16="http://schemas.microsoft.com/office/drawing/2014/main" id="{F8E0FD86-B0AE-8807-746A-ADBE6146147F}"/>
-                </a:ext>
-              </a:extLst>
-            </p:cNvPr>
-            <p:cNvSpPr/>
-            <p:nvPr/>
-          </p:nvSpPr>
-          <p:spPr>
-            <a:xfrm>
-              <a:off x="2992874" y="1033949"/>
-              <a:ext cx="921061" cy="509712"/>
-            </a:xfrm>
-            <a:prstGeom prst="rect">
-              <a:avLst/>
-            </a:prstGeom>
-            <a:ln>
-              <a:noFill/>
-            </a:ln>
-          </p:spPr>
-          <p:style>
-            <a:lnRef idx="3">
-              <a:schemeClr val="lt1"/>
-            </a:lnRef>
-            <a:fillRef idx="1">
-              <a:schemeClr val="accent5"/>
-            </a:fillRef>
-            <a:effectRef idx="1">
-              <a:schemeClr val="accent5"/>
-            </a:effectRef>
-            <a:fontRef idx="minor">
-              <a:schemeClr val="lt1"/>
-            </a:fontRef>
-          </p:style>
-          <p:txBody>
-            <a:bodyPr rtlCol="0" anchor="ctr"/>
-            <a:lstStyle/>
-            <a:p>
-              <a:pPr algn="ctr"/>
-              <a:r>
-                <a:rPr lang="en-US" sz="1800" dirty="0" err="1"/>
-                <a:t>P’Ohm</a:t>
-              </a:r>
-              <a:endParaRPr lang="th-TH" sz="1800" dirty="0"/>
-            </a:p>
-          </p:txBody>
-        </p:sp>
-        <p:sp>
-          <p:nvSpPr>
-            <p:cNvPr id="18" name="Rectangle 17">
-              <a:extLst>
-                <a:ext uri="{FF2B5EF4-FFF2-40B4-BE49-F238E27FC236}">
-                  <a16:creationId xmlns:a16="http://schemas.microsoft.com/office/drawing/2014/main" id="{B403A64E-5AE7-2311-BD96-052FD9066AC9}"/>
-                </a:ext>
-              </a:extLst>
-            </p:cNvPr>
-            <p:cNvSpPr/>
-            <p:nvPr/>
-          </p:nvSpPr>
-          <p:spPr>
-            <a:xfrm>
-              <a:off x="2992875" y="1543661"/>
-              <a:ext cx="487226" cy="687724"/>
+              <a:off x="2669824" y="4628262"/>
+              <a:ext cx="721714" cy="424277"/>
             </a:xfrm>
             <a:prstGeom prst="rect">
               <a:avLst/>
             </a:prstGeom>
             <a:solidFill>
               <a:schemeClr val="accent1">
-                <a:lumMod val="20000"/>
-                <a:lumOff val="80000"/>
-              </a:schemeClr>
-            </a:solidFill>
-            <a:ln>
-              <a:noFill/>
-            </a:ln>
-          </p:spPr>
-          <p:style>
-            <a:lnRef idx="2">
-              <a:schemeClr val="accent4">
-                <a:shade val="15000"/>
-              </a:schemeClr>
-            </a:lnRef>
-            <a:fillRef idx="1">
-              <a:schemeClr val="accent4"/>
-            </a:fillRef>
-            <a:effectRef idx="0">
-              <a:schemeClr val="accent4"/>
-            </a:effectRef>
-            <a:fontRef idx="minor">
-              <a:schemeClr val="lt1"/>
-            </a:fontRef>
-          </p:style>
-          <p:txBody>
-            <a:bodyPr rtlCol="0" anchor="ctr"/>
-            <a:lstStyle/>
-            <a:p>
-              <a:pPr algn="ctr"/>
-              <a:r>
-                <a:rPr lang="en-US" sz="1400" dirty="0"/>
-                <a:t>Elevator</a:t>
-              </a:r>
-              <a:endParaRPr lang="th-TH" sz="1400" dirty="0"/>
-            </a:p>
-          </p:txBody>
-        </p:sp>
-        <p:sp>
-          <p:nvSpPr>
-            <p:cNvPr id="22" name="Rectangle 21">
-              <a:extLst>
-                <a:ext uri="{FF2B5EF4-FFF2-40B4-BE49-F238E27FC236}">
-                  <a16:creationId xmlns:a16="http://schemas.microsoft.com/office/drawing/2014/main" id="{0DEF5E4D-7BB4-19CB-744F-3C4C029600D7}"/>
-                </a:ext>
-              </a:extLst>
-            </p:cNvPr>
-            <p:cNvSpPr/>
-            <p:nvPr/>
-          </p:nvSpPr>
-          <p:spPr>
-            <a:xfrm rot="5400000">
-              <a:off x="3127616" y="3794382"/>
-              <a:ext cx="2209729" cy="2479207"/>
-            </a:xfrm>
-            <a:prstGeom prst="rect">
-              <a:avLst/>
-            </a:prstGeom>
-            <a:ln>
-              <a:noFill/>
-            </a:ln>
-          </p:spPr>
-          <p:style>
-            <a:lnRef idx="2">
-              <a:schemeClr val="accent3">
-                <a:shade val="15000"/>
-              </a:schemeClr>
-            </a:lnRef>
-            <a:fillRef idx="1">
-              <a:schemeClr val="accent3"/>
-            </a:fillRef>
-            <a:effectRef idx="0">
-              <a:schemeClr val="accent3"/>
-            </a:effectRef>
-            <a:fontRef idx="minor">
-              <a:schemeClr val="lt1"/>
-            </a:fontRef>
-          </p:style>
-          <p:txBody>
-            <a:bodyPr rtlCol="0" anchor="ctr"/>
-            <a:lstStyle/>
-            <a:p>
-              <a:pPr algn="ctr"/>
-              <a:endParaRPr lang="th-TH" sz="1800"/>
-            </a:p>
-          </p:txBody>
-        </p:sp>
-        <p:sp>
-          <p:nvSpPr>
-            <p:cNvPr id="24" name="Rectangle 23">
-              <a:extLst>
-                <a:ext uri="{FF2B5EF4-FFF2-40B4-BE49-F238E27FC236}">
-                  <a16:creationId xmlns:a16="http://schemas.microsoft.com/office/drawing/2014/main" id="{FB7BCB16-1C16-89F8-CB5B-715417D2CE43}"/>
-                </a:ext>
-              </a:extLst>
-            </p:cNvPr>
-            <p:cNvSpPr/>
-            <p:nvPr/>
-          </p:nvSpPr>
-          <p:spPr>
-            <a:xfrm>
-              <a:off x="5407794" y="4227510"/>
-              <a:ext cx="1311766" cy="1077866"/>
-            </a:xfrm>
-            <a:prstGeom prst="rect">
-              <a:avLst/>
-            </a:prstGeom>
-            <a:ln>
-              <a:noFill/>
-            </a:ln>
-          </p:spPr>
-          <p:style>
-            <a:lnRef idx="3">
-              <a:schemeClr val="lt1"/>
-            </a:lnRef>
-            <a:fillRef idx="1">
-              <a:schemeClr val="accent2"/>
-            </a:fillRef>
-            <a:effectRef idx="1">
-              <a:schemeClr val="accent2"/>
-            </a:effectRef>
-            <a:fontRef idx="minor">
-              <a:schemeClr val="lt1"/>
-            </a:fontRef>
-          </p:style>
-          <p:txBody>
-            <a:bodyPr rtlCol="0" anchor="ctr"/>
-            <a:lstStyle/>
-            <a:p>
-              <a:pPr algn="ctr"/>
-              <a:r>
-                <a:rPr lang="en-US" sz="1800" dirty="0"/>
-                <a:t>402</a:t>
-              </a:r>
-              <a:endParaRPr lang="th-TH" sz="1800" dirty="0"/>
-            </a:p>
-          </p:txBody>
-        </p:sp>
-        <p:sp>
-          <p:nvSpPr>
-            <p:cNvPr id="25" name="Rectangle 24">
-              <a:extLst>
-                <a:ext uri="{FF2B5EF4-FFF2-40B4-BE49-F238E27FC236}">
-                  <a16:creationId xmlns:a16="http://schemas.microsoft.com/office/drawing/2014/main" id="{D09B3D3D-E86F-03D8-AC40-2A67369EC650}"/>
-                </a:ext>
-              </a:extLst>
-            </p:cNvPr>
-            <p:cNvSpPr/>
-            <p:nvPr/>
-          </p:nvSpPr>
-          <p:spPr>
-            <a:xfrm>
-              <a:off x="7258782" y="3771846"/>
-              <a:ext cx="1344311" cy="977093"/>
-            </a:xfrm>
-            <a:prstGeom prst="rect">
-              <a:avLst/>
-            </a:prstGeom>
-            <a:solidFill>
-              <a:schemeClr val="accent2">
-                <a:lumMod val="40000"/>
-                <a:lumOff val="60000"/>
+                <a:lumMod val="50000"/>
               </a:schemeClr>
             </a:solidFill>
             <a:ln>
@@ -4306,1410 +5729,13 @@
               <a:pPr algn="ctr"/>
               <a:r>
                 <a:rPr lang="en-US" sz="1800" dirty="0"/>
-                <a:t>401</a:t>
-              </a:r>
-              <a:endParaRPr lang="th-TH" sz="1800" dirty="0"/>
-            </a:p>
-          </p:txBody>
-        </p:sp>
-        <p:sp>
-          <p:nvSpPr>
-            <p:cNvPr id="26" name="Rectangle 25">
-              <a:extLst>
-                <a:ext uri="{FF2B5EF4-FFF2-40B4-BE49-F238E27FC236}">
-                  <a16:creationId xmlns:a16="http://schemas.microsoft.com/office/drawing/2014/main" id="{64006E14-0C67-19BC-D637-CE68BDE7C061}"/>
-                </a:ext>
-              </a:extLst>
-            </p:cNvPr>
-            <p:cNvSpPr/>
-            <p:nvPr/>
-          </p:nvSpPr>
-          <p:spPr>
-            <a:xfrm>
-              <a:off x="6025093" y="5674170"/>
-              <a:ext cx="699591" cy="464680"/>
-            </a:xfrm>
-            <a:prstGeom prst="rect">
-              <a:avLst/>
-            </a:prstGeom>
-            <a:solidFill>
-              <a:schemeClr val="accent6">
-                <a:lumMod val="75000"/>
-              </a:schemeClr>
-            </a:solidFill>
-            <a:ln>
-              <a:noFill/>
-            </a:ln>
-          </p:spPr>
-          <p:style>
-            <a:lnRef idx="2">
-              <a:schemeClr val="accent6">
-                <a:shade val="15000"/>
-              </a:schemeClr>
-            </a:lnRef>
-            <a:fillRef idx="1">
-              <a:schemeClr val="accent6"/>
-            </a:fillRef>
-            <a:effectRef idx="0">
-              <a:schemeClr val="accent6"/>
-            </a:effectRef>
-            <a:fontRef idx="minor">
-              <a:schemeClr val="lt1"/>
-            </a:fontRef>
-          </p:style>
-          <p:txBody>
-            <a:bodyPr rtlCol="0" anchor="ctr"/>
-            <a:lstStyle/>
-            <a:p>
-              <a:pPr algn="ctr"/>
-              <a:r>
-                <a:rPr lang="en-US" sz="1800" dirty="0"/>
-                <a:t>stair</a:t>
-              </a:r>
-              <a:endParaRPr lang="th-TH" sz="1800" dirty="0"/>
-            </a:p>
-          </p:txBody>
-        </p:sp>
-        <p:sp>
-          <p:nvSpPr>
-            <p:cNvPr id="27" name="Rectangle 26">
-              <a:extLst>
-                <a:ext uri="{FF2B5EF4-FFF2-40B4-BE49-F238E27FC236}">
-                  <a16:creationId xmlns:a16="http://schemas.microsoft.com/office/drawing/2014/main" id="{8F07620F-9AC3-0F9E-708A-A24418E818FD}"/>
-                </a:ext>
-              </a:extLst>
-            </p:cNvPr>
-            <p:cNvSpPr/>
-            <p:nvPr/>
-          </p:nvSpPr>
-          <p:spPr>
-            <a:xfrm>
-              <a:off x="5351870" y="5674168"/>
-              <a:ext cx="699591" cy="464681"/>
-            </a:xfrm>
-            <a:prstGeom prst="rect">
-              <a:avLst/>
-            </a:prstGeom>
-            <a:ln>
-              <a:noFill/>
-            </a:ln>
-          </p:spPr>
-          <p:style>
-            <a:lnRef idx="2">
-              <a:schemeClr val="accent6">
-                <a:shade val="15000"/>
-              </a:schemeClr>
-            </a:lnRef>
-            <a:fillRef idx="1">
-              <a:schemeClr val="accent6"/>
-            </a:fillRef>
-            <a:effectRef idx="0">
-              <a:schemeClr val="accent6"/>
-            </a:effectRef>
-            <a:fontRef idx="minor">
-              <a:schemeClr val="lt1"/>
-            </a:fontRef>
-          </p:style>
-          <p:txBody>
-            <a:bodyPr rtlCol="0" anchor="ctr"/>
-            <a:lstStyle/>
-            <a:p>
-              <a:pPr algn="ctr"/>
-              <a:r>
-                <a:rPr lang="en-US" sz="1800" dirty="0"/>
-                <a:t>WC</a:t>
-              </a:r>
-              <a:endParaRPr lang="th-TH" sz="1800" dirty="0"/>
-            </a:p>
-          </p:txBody>
-        </p:sp>
-        <p:sp>
-          <p:nvSpPr>
-            <p:cNvPr id="28" name="Rectangle 27">
-              <a:extLst>
-                <a:ext uri="{FF2B5EF4-FFF2-40B4-BE49-F238E27FC236}">
-                  <a16:creationId xmlns:a16="http://schemas.microsoft.com/office/drawing/2014/main" id="{051E4FD0-FDDD-4236-99AD-96AEB494E432}"/>
-                </a:ext>
-              </a:extLst>
-            </p:cNvPr>
-            <p:cNvSpPr/>
-            <p:nvPr/>
-          </p:nvSpPr>
-          <p:spPr>
-            <a:xfrm>
-              <a:off x="2987377" y="4285893"/>
-              <a:ext cx="1697668" cy="1864822"/>
-            </a:xfrm>
-            <a:prstGeom prst="rect">
-              <a:avLst/>
-            </a:prstGeom>
-            <a:solidFill>
-              <a:srgbClr val="FF0000"/>
-            </a:solidFill>
-            <a:ln>
-              <a:noFill/>
-            </a:ln>
-          </p:spPr>
-          <p:style>
-            <a:lnRef idx="3">
-              <a:schemeClr val="lt1"/>
-            </a:lnRef>
-            <a:fillRef idx="1">
-              <a:schemeClr val="accent2"/>
-            </a:fillRef>
-            <a:effectRef idx="1">
-              <a:schemeClr val="accent2"/>
-            </a:effectRef>
-            <a:fontRef idx="minor">
-              <a:schemeClr val="lt1"/>
-            </a:fontRef>
-          </p:style>
-          <p:txBody>
-            <a:bodyPr rtlCol="0" anchor="ctr"/>
-            <a:lstStyle/>
-            <a:p>
-              <a:pPr algn="ctr"/>
-              <a:endParaRPr lang="th-TH" sz="1800"/>
-            </a:p>
-          </p:txBody>
-        </p:sp>
-        <p:sp>
-          <p:nvSpPr>
-            <p:cNvPr id="30" name="Rectangle 29">
-              <a:extLst>
-                <a:ext uri="{FF2B5EF4-FFF2-40B4-BE49-F238E27FC236}">
-                  <a16:creationId xmlns:a16="http://schemas.microsoft.com/office/drawing/2014/main" id="{D2F40C03-C5A4-A496-E696-3DF6424A785E}"/>
-                </a:ext>
-              </a:extLst>
-            </p:cNvPr>
-            <p:cNvSpPr/>
-            <p:nvPr/>
-          </p:nvSpPr>
-          <p:spPr>
-            <a:xfrm>
-              <a:off x="4397789" y="3771846"/>
-              <a:ext cx="2852873" cy="476902"/>
-            </a:xfrm>
-            <a:prstGeom prst="rect">
-              <a:avLst/>
-            </a:prstGeom>
-            <a:ln>
-              <a:noFill/>
-            </a:ln>
-          </p:spPr>
-          <p:style>
-            <a:lnRef idx="2">
-              <a:schemeClr val="accent3">
-                <a:shade val="15000"/>
-              </a:schemeClr>
-            </a:lnRef>
-            <a:fillRef idx="1">
-              <a:schemeClr val="accent3"/>
-            </a:fillRef>
-            <a:effectRef idx="0">
-              <a:schemeClr val="accent3"/>
-            </a:effectRef>
-            <a:fontRef idx="minor">
-              <a:schemeClr val="lt1"/>
-            </a:fontRef>
-          </p:style>
-          <p:txBody>
-            <a:bodyPr rtlCol="0" anchor="ctr"/>
-            <a:lstStyle/>
-            <a:p>
-              <a:pPr algn="ctr"/>
-              <a:endParaRPr lang="th-TH" sz="1800"/>
-            </a:p>
-          </p:txBody>
-        </p:sp>
-        <p:sp>
-          <p:nvSpPr>
-            <p:cNvPr id="33" name="Rectangle 32">
-              <a:extLst>
-                <a:ext uri="{FF2B5EF4-FFF2-40B4-BE49-F238E27FC236}">
-                  <a16:creationId xmlns:a16="http://schemas.microsoft.com/office/drawing/2014/main" id="{4194D603-B079-FD07-3CF1-93BA8A683AC0}"/>
-                </a:ext>
-              </a:extLst>
-            </p:cNvPr>
-            <p:cNvSpPr/>
-            <p:nvPr/>
-          </p:nvSpPr>
-          <p:spPr>
-            <a:xfrm>
-              <a:off x="2992877" y="5014021"/>
-              <a:ext cx="2358993" cy="315927"/>
-            </a:xfrm>
-            <a:prstGeom prst="rect">
-              <a:avLst/>
-            </a:prstGeom>
-            <a:ln>
-              <a:noFill/>
-            </a:ln>
-          </p:spPr>
-          <p:style>
-            <a:lnRef idx="2">
-              <a:schemeClr val="accent3">
-                <a:shade val="15000"/>
-              </a:schemeClr>
-            </a:lnRef>
-            <a:fillRef idx="1">
-              <a:schemeClr val="accent3"/>
-            </a:fillRef>
-            <a:effectRef idx="0">
-              <a:schemeClr val="accent3"/>
-            </a:effectRef>
-            <a:fontRef idx="minor">
-              <a:schemeClr val="lt1"/>
-            </a:fontRef>
-          </p:style>
-          <p:txBody>
-            <a:bodyPr rtlCol="0" anchor="ctr"/>
-            <a:lstStyle/>
-            <a:p>
-              <a:pPr algn="ctr"/>
-              <a:endParaRPr lang="th-TH" sz="1800"/>
-            </a:p>
-          </p:txBody>
-        </p:sp>
-        <p:sp>
-          <p:nvSpPr>
-            <p:cNvPr id="35" name="Rectangle 34">
-              <a:extLst>
-                <a:ext uri="{FF2B5EF4-FFF2-40B4-BE49-F238E27FC236}">
-                  <a16:creationId xmlns:a16="http://schemas.microsoft.com/office/drawing/2014/main" id="{67C2ED96-CD77-D0DD-9F9B-5B7D14BEC7FC}"/>
-                </a:ext>
-              </a:extLst>
-            </p:cNvPr>
-            <p:cNvSpPr/>
-            <p:nvPr/>
-          </p:nvSpPr>
-          <p:spPr>
-            <a:xfrm rot="5400000">
-              <a:off x="2885809" y="4125704"/>
-              <a:ext cx="1983494" cy="371851"/>
-            </a:xfrm>
-            <a:prstGeom prst="rect">
-              <a:avLst/>
-            </a:prstGeom>
-            <a:ln>
-              <a:noFill/>
-            </a:ln>
-          </p:spPr>
-          <p:style>
-            <a:lnRef idx="2">
-              <a:schemeClr val="accent3">
-                <a:shade val="15000"/>
-              </a:schemeClr>
-            </a:lnRef>
-            <a:fillRef idx="1">
-              <a:schemeClr val="accent3"/>
-            </a:fillRef>
-            <a:effectRef idx="0">
-              <a:schemeClr val="accent3"/>
-            </a:effectRef>
-            <a:fontRef idx="minor">
-              <a:schemeClr val="lt1"/>
-            </a:fontRef>
-          </p:style>
-          <p:txBody>
-            <a:bodyPr rtlCol="0" anchor="ctr"/>
-            <a:lstStyle/>
-            <a:p>
-              <a:pPr algn="ctr"/>
-              <a:endParaRPr lang="th-TH" sz="1800"/>
-            </a:p>
-          </p:txBody>
-        </p:sp>
-        <p:sp>
-          <p:nvSpPr>
-            <p:cNvPr id="37" name="Rectangle 36">
-              <a:extLst>
-                <a:ext uri="{FF2B5EF4-FFF2-40B4-BE49-F238E27FC236}">
-                  <a16:creationId xmlns:a16="http://schemas.microsoft.com/office/drawing/2014/main" id="{B9004BB2-14D2-EBBA-E873-7D062778260F}"/>
-                </a:ext>
-              </a:extLst>
-            </p:cNvPr>
-            <p:cNvSpPr/>
-            <p:nvPr/>
-          </p:nvSpPr>
-          <p:spPr>
-            <a:xfrm>
-              <a:off x="7250662" y="4748942"/>
-              <a:ext cx="1352433" cy="581007"/>
-            </a:xfrm>
-            <a:prstGeom prst="rect">
-              <a:avLst/>
-            </a:prstGeom>
-            <a:solidFill>
-              <a:schemeClr val="accent2">
-                <a:lumMod val="60000"/>
-                <a:lumOff val="40000"/>
-              </a:schemeClr>
-            </a:solidFill>
-            <a:ln>
-              <a:noFill/>
-            </a:ln>
-          </p:spPr>
-          <p:style>
-            <a:lnRef idx="3">
-              <a:schemeClr val="lt1"/>
-            </a:lnRef>
-            <a:fillRef idx="1">
-              <a:schemeClr val="accent2"/>
-            </a:fillRef>
-            <a:effectRef idx="1">
-              <a:schemeClr val="accent2"/>
-            </a:effectRef>
-            <a:fontRef idx="minor">
-              <a:schemeClr val="lt1"/>
-            </a:fontRef>
-          </p:style>
-          <p:txBody>
-            <a:bodyPr rtlCol="0" anchor="ctr"/>
-            <a:lstStyle/>
-            <a:p>
-              <a:pPr algn="ctr"/>
-              <a:r>
-                <a:rPr lang="en-US" sz="1800" dirty="0"/>
-                <a:t>Th</a:t>
-              </a:r>
-              <a:endParaRPr lang="th-TH" sz="1800" dirty="0"/>
-            </a:p>
-          </p:txBody>
-        </p:sp>
-        <p:sp>
-          <p:nvSpPr>
-            <p:cNvPr id="38" name="Rectangle 37">
-              <a:extLst>
-                <a:ext uri="{FF2B5EF4-FFF2-40B4-BE49-F238E27FC236}">
-                  <a16:creationId xmlns:a16="http://schemas.microsoft.com/office/drawing/2014/main" id="{82B32664-20C5-4ACF-A4E1-CA345B4D3E2E}"/>
-                </a:ext>
-              </a:extLst>
-            </p:cNvPr>
-            <p:cNvSpPr/>
-            <p:nvPr/>
-          </p:nvSpPr>
-          <p:spPr>
-            <a:xfrm>
-              <a:off x="7250663" y="5312781"/>
-              <a:ext cx="1352429" cy="826068"/>
-            </a:xfrm>
-            <a:prstGeom prst="rect">
-              <a:avLst/>
-            </a:prstGeom>
-            <a:solidFill>
-              <a:schemeClr val="accent2">
-                <a:lumMod val="75000"/>
-              </a:schemeClr>
-            </a:solidFill>
-            <a:ln>
-              <a:noFill/>
-            </a:ln>
-          </p:spPr>
-          <p:style>
-            <a:lnRef idx="3">
-              <a:schemeClr val="lt1"/>
-            </a:lnRef>
-            <a:fillRef idx="1">
-              <a:schemeClr val="accent2"/>
-            </a:fillRef>
-            <a:effectRef idx="1">
-              <a:schemeClr val="accent2"/>
-            </a:effectRef>
-            <a:fontRef idx="minor">
-              <a:schemeClr val="lt1"/>
-            </a:fontRef>
-          </p:style>
-          <p:txBody>
-            <a:bodyPr rtlCol="0" anchor="ctr"/>
-            <a:lstStyle/>
-            <a:p>
-              <a:pPr algn="ctr"/>
-              <a:r>
-                <a:rPr lang="en-US" sz="1800" dirty="0"/>
-                <a:t>Lab</a:t>
-              </a:r>
-              <a:endParaRPr lang="th-TH" sz="1800" dirty="0"/>
-            </a:p>
-          </p:txBody>
-        </p:sp>
-        <p:sp>
-          <p:nvSpPr>
-            <p:cNvPr id="39" name="Rectangle 38">
-              <a:extLst>
-                <a:ext uri="{FF2B5EF4-FFF2-40B4-BE49-F238E27FC236}">
-                  <a16:creationId xmlns:a16="http://schemas.microsoft.com/office/drawing/2014/main" id="{19B09EBE-3C5D-2BBE-7462-42CC92116DC7}"/>
-                </a:ext>
-              </a:extLst>
-            </p:cNvPr>
-            <p:cNvSpPr/>
-            <p:nvPr/>
-          </p:nvSpPr>
-          <p:spPr>
-            <a:xfrm>
-              <a:off x="4397790" y="5296216"/>
-              <a:ext cx="673394" cy="854499"/>
-            </a:xfrm>
-            <a:prstGeom prst="rect">
-              <a:avLst/>
-            </a:prstGeom>
-            <a:solidFill>
-              <a:schemeClr val="accent1">
-                <a:lumMod val="40000"/>
-                <a:lumOff val="60000"/>
-              </a:schemeClr>
-            </a:solidFill>
-            <a:ln>
-              <a:noFill/>
-            </a:ln>
-          </p:spPr>
-          <p:style>
-            <a:lnRef idx="3">
-              <a:schemeClr val="lt1"/>
-            </a:lnRef>
-            <a:fillRef idx="1">
-              <a:schemeClr val="accent2"/>
-            </a:fillRef>
-            <a:effectRef idx="1">
-              <a:schemeClr val="accent2"/>
-            </a:effectRef>
-            <a:fontRef idx="minor">
-              <a:schemeClr val="lt1"/>
-            </a:fontRef>
-          </p:style>
-          <p:txBody>
-            <a:bodyPr rtlCol="0" anchor="ctr"/>
-            <a:lstStyle/>
-            <a:p>
-              <a:pPr algn="ctr"/>
-              <a:r>
-                <a:rPr lang="en-US" sz="1800" dirty="0"/>
-                <a:t>407</a:t>
-              </a:r>
-              <a:endParaRPr lang="th-TH" sz="1800" dirty="0"/>
-            </a:p>
-          </p:txBody>
-        </p:sp>
-        <p:sp>
-          <p:nvSpPr>
-            <p:cNvPr id="40" name="Rectangle 39">
-              <a:extLst>
-                <a:ext uri="{FF2B5EF4-FFF2-40B4-BE49-F238E27FC236}">
-                  <a16:creationId xmlns:a16="http://schemas.microsoft.com/office/drawing/2014/main" id="{8A7E0067-CBFD-3A91-ED74-4BF3F623C6FC}"/>
-                </a:ext>
-              </a:extLst>
-            </p:cNvPr>
-            <p:cNvSpPr/>
-            <p:nvPr/>
-          </p:nvSpPr>
-          <p:spPr>
-            <a:xfrm>
-              <a:off x="4063482" y="4227510"/>
-              <a:ext cx="1004552" cy="793737"/>
-            </a:xfrm>
-            <a:prstGeom prst="rect">
-              <a:avLst/>
-            </a:prstGeom>
-            <a:solidFill>
-              <a:schemeClr val="accent5">
-                <a:lumMod val="40000"/>
-                <a:lumOff val="60000"/>
-              </a:schemeClr>
-            </a:solidFill>
-            <a:ln>
-              <a:noFill/>
-            </a:ln>
-          </p:spPr>
-          <p:style>
-            <a:lnRef idx="3">
-              <a:schemeClr val="lt1"/>
-            </a:lnRef>
-            <a:fillRef idx="1">
-              <a:schemeClr val="accent2"/>
-            </a:fillRef>
-            <a:effectRef idx="1">
-              <a:schemeClr val="accent2"/>
-            </a:effectRef>
-            <a:fontRef idx="minor">
-              <a:schemeClr val="lt1"/>
-            </a:fontRef>
-          </p:style>
-          <p:txBody>
-            <a:bodyPr rtlCol="0" anchor="ctr"/>
-            <a:lstStyle/>
-            <a:p>
-              <a:pPr algn="ctr"/>
-              <a:r>
-                <a:rPr lang="en-US" sz="1800" dirty="0"/>
-                <a:t>408</a:t>
-              </a:r>
-              <a:endParaRPr lang="th-TH" sz="1800" dirty="0"/>
-            </a:p>
-          </p:txBody>
-        </p:sp>
-        <p:sp>
-          <p:nvSpPr>
-            <p:cNvPr id="41" name="Rectangle 40">
-              <a:extLst>
-                <a:ext uri="{FF2B5EF4-FFF2-40B4-BE49-F238E27FC236}">
-                  <a16:creationId xmlns:a16="http://schemas.microsoft.com/office/drawing/2014/main" id="{F5294738-ED48-7D10-5CE7-58F2BD699B32}"/>
-                </a:ext>
-              </a:extLst>
-            </p:cNvPr>
-            <p:cNvSpPr/>
-            <p:nvPr/>
-          </p:nvSpPr>
-          <p:spPr>
-            <a:xfrm>
-              <a:off x="3645162" y="5293475"/>
-              <a:ext cx="752625" cy="857241"/>
-            </a:xfrm>
-            <a:prstGeom prst="rect">
-              <a:avLst/>
-            </a:prstGeom>
-            <a:solidFill>
-              <a:schemeClr val="accent1">
-                <a:lumMod val="60000"/>
-                <a:lumOff val="40000"/>
-              </a:schemeClr>
-            </a:solidFill>
-            <a:ln>
-              <a:noFill/>
-            </a:ln>
-          </p:spPr>
-          <p:style>
-            <a:lnRef idx="3">
-              <a:schemeClr val="lt1"/>
-            </a:lnRef>
-            <a:fillRef idx="1">
-              <a:schemeClr val="accent2"/>
-            </a:fillRef>
-            <a:effectRef idx="1">
-              <a:schemeClr val="accent2"/>
-            </a:effectRef>
-            <a:fontRef idx="minor">
-              <a:schemeClr val="lt1"/>
-            </a:fontRef>
-          </p:style>
-          <p:txBody>
-            <a:bodyPr rtlCol="0" anchor="ctr"/>
-            <a:lstStyle/>
-            <a:p>
-              <a:pPr algn="ctr"/>
-              <a:r>
-                <a:rPr lang="en-US" sz="1800" dirty="0"/>
-                <a:t>409</a:t>
-              </a:r>
-              <a:endParaRPr lang="th-TH" sz="1800" dirty="0"/>
-            </a:p>
-          </p:txBody>
-        </p:sp>
-        <p:sp>
-          <p:nvSpPr>
-            <p:cNvPr id="42" name="Rectangle 41">
-              <a:extLst>
-                <a:ext uri="{FF2B5EF4-FFF2-40B4-BE49-F238E27FC236}">
-                  <a16:creationId xmlns:a16="http://schemas.microsoft.com/office/drawing/2014/main" id="{51AE5D6A-62FB-615E-3C90-F525912B7B09}"/>
-                </a:ext>
-              </a:extLst>
-            </p:cNvPr>
-            <p:cNvSpPr/>
-            <p:nvPr/>
-          </p:nvSpPr>
-          <p:spPr>
-            <a:xfrm>
-              <a:off x="2986413" y="5305376"/>
-              <a:ext cx="658749" cy="854499"/>
-            </a:xfrm>
-            <a:prstGeom prst="rect">
-              <a:avLst/>
-            </a:prstGeom>
-            <a:solidFill>
-              <a:schemeClr val="accent1">
-                <a:lumMod val="75000"/>
-              </a:schemeClr>
-            </a:solidFill>
-            <a:ln>
-              <a:noFill/>
-            </a:ln>
-          </p:spPr>
-          <p:style>
-            <a:lnRef idx="3">
-              <a:schemeClr val="lt1"/>
-            </a:lnRef>
-            <a:fillRef idx="1">
-              <a:schemeClr val="accent2"/>
-            </a:fillRef>
-            <a:effectRef idx="1">
-              <a:schemeClr val="accent2"/>
-            </a:effectRef>
-            <a:fontRef idx="minor">
-              <a:schemeClr val="lt1"/>
-            </a:fontRef>
-          </p:style>
-          <p:txBody>
-            <a:bodyPr rtlCol="0" anchor="ctr"/>
-            <a:lstStyle/>
-            <a:p>
-              <a:pPr algn="ctr"/>
-              <a:r>
-                <a:rPr lang="en-US" sz="1800" dirty="0"/>
-                <a:t>411</a:t>
-              </a:r>
-              <a:endParaRPr lang="th-TH" sz="1800" dirty="0"/>
-            </a:p>
-          </p:txBody>
-        </p:sp>
-        <p:sp>
-          <p:nvSpPr>
-            <p:cNvPr id="44" name="Rectangle 43">
-              <a:extLst>
-                <a:ext uri="{FF2B5EF4-FFF2-40B4-BE49-F238E27FC236}">
-                  <a16:creationId xmlns:a16="http://schemas.microsoft.com/office/drawing/2014/main" id="{E477E8B9-C9DA-ACFA-44EC-DC4D64D0BEC1}"/>
-                </a:ext>
-              </a:extLst>
-            </p:cNvPr>
-            <p:cNvSpPr/>
-            <p:nvPr/>
-          </p:nvSpPr>
-          <p:spPr>
-            <a:xfrm>
-              <a:off x="2990706" y="4645406"/>
-              <a:ext cx="721714" cy="397079"/>
-            </a:xfrm>
-            <a:prstGeom prst="rect">
-              <a:avLst/>
-            </a:prstGeom>
-            <a:solidFill>
-              <a:schemeClr val="accent1">
-                <a:lumMod val="75000"/>
-              </a:schemeClr>
-            </a:solidFill>
-            <a:ln>
-              <a:noFill/>
-            </a:ln>
-          </p:spPr>
-          <p:style>
-            <a:lnRef idx="3">
-              <a:schemeClr val="lt1"/>
-            </a:lnRef>
-            <a:fillRef idx="1">
-              <a:schemeClr val="accent2"/>
-            </a:fillRef>
-            <a:effectRef idx="1">
-              <a:schemeClr val="accent2"/>
-            </a:effectRef>
-            <a:fontRef idx="minor">
-              <a:schemeClr val="lt1"/>
-            </a:fontRef>
-          </p:style>
-          <p:txBody>
-            <a:bodyPr rtlCol="0" anchor="ctr"/>
-            <a:lstStyle/>
-            <a:p>
-              <a:pPr algn="ctr"/>
-              <a:r>
-                <a:rPr lang="en-US" sz="1800" dirty="0"/>
-                <a:t>410</a:t>
-              </a:r>
-              <a:endParaRPr lang="th-TH" sz="1800" dirty="0"/>
-            </a:p>
-          </p:txBody>
-        </p:sp>
-        <p:grpSp>
-          <p:nvGrpSpPr>
-            <p:cNvPr id="48" name="Group 47">
-              <a:extLst>
-                <a:ext uri="{FF2B5EF4-FFF2-40B4-BE49-F238E27FC236}">
-                  <a16:creationId xmlns:a16="http://schemas.microsoft.com/office/drawing/2014/main" id="{971495F0-E24A-D3F0-5749-9F8F33F59220}"/>
-                </a:ext>
-              </a:extLst>
-            </p:cNvPr>
-            <p:cNvGrpSpPr/>
-            <p:nvPr/>
-          </p:nvGrpSpPr>
-          <p:grpSpPr>
-            <a:xfrm>
-              <a:off x="5147114" y="935639"/>
-              <a:ext cx="732390" cy="303166"/>
-              <a:chOff x="5147114" y="935639"/>
-              <a:chExt cx="732390" cy="303166"/>
-            </a:xfrm>
-            <a:solidFill>
-              <a:schemeClr val="accent6">
-                <a:lumMod val="75000"/>
-              </a:schemeClr>
-            </a:solidFill>
-          </p:grpSpPr>
-          <p:sp>
-            <p:nvSpPr>
-              <p:cNvPr id="45" name="Rectangle 44">
-                <a:extLst>
-                  <a:ext uri="{FF2B5EF4-FFF2-40B4-BE49-F238E27FC236}">
-                    <a16:creationId xmlns:a16="http://schemas.microsoft.com/office/drawing/2014/main" id="{3FAC2FF0-C934-8492-0DC1-4FD9A831CA36}"/>
-                  </a:ext>
-                </a:extLst>
-              </p:cNvPr>
-              <p:cNvSpPr/>
-              <p:nvPr/>
-            </p:nvSpPr>
-            <p:spPr>
-              <a:xfrm>
-                <a:off x="5147114" y="1042276"/>
-                <a:ext cx="422662" cy="196529"/>
-              </a:xfrm>
-              <a:prstGeom prst="rect">
-                <a:avLst/>
-              </a:prstGeom>
-              <a:grpFill/>
-              <a:ln>
-                <a:noFill/>
-              </a:ln>
-            </p:spPr>
-            <p:style>
-              <a:lnRef idx="2">
-                <a:schemeClr val="accent6">
-                  <a:shade val="15000"/>
-                </a:schemeClr>
-              </a:lnRef>
-              <a:fillRef idx="1">
-                <a:schemeClr val="accent6"/>
-              </a:fillRef>
-              <a:effectRef idx="0">
-                <a:schemeClr val="accent6"/>
-              </a:effectRef>
-              <a:fontRef idx="minor">
-                <a:schemeClr val="lt1"/>
-              </a:fontRef>
-            </p:style>
-            <p:txBody>
-              <a:bodyPr rtlCol="0" anchor="ctr"/>
-              <a:lstStyle/>
-              <a:p>
-                <a:pPr algn="ctr"/>
-                <a:r>
-                  <a:rPr lang="en-US" sz="900" dirty="0"/>
-                  <a:t>stair</a:t>
-                </a:r>
-                <a:endParaRPr lang="th-TH" sz="900" dirty="0"/>
-              </a:p>
-            </p:txBody>
-          </p:sp>
-          <p:sp>
-            <p:nvSpPr>
-              <p:cNvPr id="47" name="Rectangle 46">
-                <a:extLst>
-                  <a:ext uri="{FF2B5EF4-FFF2-40B4-BE49-F238E27FC236}">
-                    <a16:creationId xmlns:a16="http://schemas.microsoft.com/office/drawing/2014/main" id="{0F6F91F3-7506-2D7D-5824-D9E378C72C52}"/>
-                  </a:ext>
-                </a:extLst>
-              </p:cNvPr>
-              <p:cNvSpPr/>
-              <p:nvPr/>
-            </p:nvSpPr>
-            <p:spPr>
-              <a:xfrm rot="19603086">
-                <a:off x="5470590" y="935639"/>
-                <a:ext cx="408914" cy="207826"/>
-              </a:xfrm>
-              <a:prstGeom prst="rect">
-                <a:avLst/>
-              </a:prstGeom>
-              <a:grpFill/>
-              <a:ln>
-                <a:noFill/>
-              </a:ln>
-            </p:spPr>
-            <p:style>
-              <a:lnRef idx="2">
-                <a:schemeClr val="accent6">
-                  <a:shade val="15000"/>
-                </a:schemeClr>
-              </a:lnRef>
-              <a:fillRef idx="1">
-                <a:schemeClr val="accent6"/>
-              </a:fillRef>
-              <a:effectRef idx="0">
-                <a:schemeClr val="accent6"/>
-              </a:effectRef>
-              <a:fontRef idx="minor">
-                <a:schemeClr val="lt1"/>
-              </a:fontRef>
-            </p:style>
-            <p:txBody>
-              <a:bodyPr rtlCol="0" anchor="ctr"/>
-              <a:lstStyle/>
-              <a:p>
-                <a:pPr algn="ctr"/>
-                <a:r>
-                  <a:rPr lang="en-US" sz="1200" dirty="0"/>
-                  <a:t>WC</a:t>
-                </a:r>
-                <a:endParaRPr lang="th-TH" sz="1200" dirty="0"/>
-              </a:p>
-            </p:txBody>
-          </p:sp>
-        </p:grpSp>
-        <p:sp>
-          <p:nvSpPr>
-            <p:cNvPr id="49" name="Rectangle 48">
-              <a:extLst>
-                <a:ext uri="{FF2B5EF4-FFF2-40B4-BE49-F238E27FC236}">
-                  <a16:creationId xmlns:a16="http://schemas.microsoft.com/office/drawing/2014/main" id="{07D0312C-2574-AE4A-206E-EA5A7611D175}"/>
-                </a:ext>
-              </a:extLst>
-            </p:cNvPr>
-            <p:cNvSpPr/>
-            <p:nvPr/>
-          </p:nvSpPr>
-          <p:spPr>
-            <a:xfrm>
-              <a:off x="3660602" y="2423375"/>
-              <a:ext cx="751021" cy="832515"/>
-            </a:xfrm>
-            <a:prstGeom prst="rect">
-              <a:avLst/>
-            </a:prstGeom>
-            <a:solidFill>
-              <a:srgbClr val="FBD1F6"/>
-            </a:solidFill>
-            <a:ln>
-              <a:noFill/>
-            </a:ln>
-          </p:spPr>
-          <p:style>
-            <a:lnRef idx="3">
-              <a:schemeClr val="lt1"/>
-            </a:lnRef>
-            <a:fillRef idx="1">
-              <a:schemeClr val="accent5"/>
-            </a:fillRef>
-            <a:effectRef idx="1">
-              <a:schemeClr val="accent5"/>
-            </a:effectRef>
-            <a:fontRef idx="minor">
-              <a:schemeClr val="lt1"/>
-            </a:fontRef>
-          </p:style>
-          <p:txBody>
-            <a:bodyPr rtlCol="0" anchor="ctr"/>
-            <a:lstStyle/>
-            <a:p>
-              <a:pPr algn="ctr"/>
-              <a:r>
-                <a:rPr lang="en-US" sz="1800" dirty="0"/>
-                <a:t>Th</a:t>
-              </a:r>
-              <a:endParaRPr lang="th-TH" sz="1800" dirty="0"/>
-            </a:p>
-          </p:txBody>
-        </p:sp>
-        <p:sp>
-          <p:nvSpPr>
-            <p:cNvPr id="50" name="Rectangle 49">
-              <a:extLst>
-                <a:ext uri="{FF2B5EF4-FFF2-40B4-BE49-F238E27FC236}">
-                  <a16:creationId xmlns:a16="http://schemas.microsoft.com/office/drawing/2014/main" id="{41C58F20-19F7-B186-806F-466FDB4DE821}"/>
-                </a:ext>
-              </a:extLst>
-            </p:cNvPr>
-            <p:cNvSpPr/>
-            <p:nvPr/>
-          </p:nvSpPr>
-          <p:spPr>
-            <a:xfrm>
-              <a:off x="2988172" y="2424366"/>
-              <a:ext cx="710609" cy="832515"/>
-            </a:xfrm>
-            <a:prstGeom prst="rect">
-              <a:avLst/>
-            </a:prstGeom>
-            <a:solidFill>
-              <a:srgbClr val="F8AEEF"/>
-            </a:solidFill>
-            <a:ln>
-              <a:noFill/>
-            </a:ln>
-          </p:spPr>
-          <p:style>
-            <a:lnRef idx="3">
-              <a:schemeClr val="lt1"/>
-            </a:lnRef>
-            <a:fillRef idx="1">
-              <a:schemeClr val="accent5"/>
-            </a:fillRef>
-            <a:effectRef idx="1">
-              <a:schemeClr val="accent5"/>
-            </a:effectRef>
-            <a:fontRef idx="minor">
-              <a:schemeClr val="lt1"/>
-            </a:fontRef>
-          </p:style>
-          <p:txBody>
-            <a:bodyPr rtlCol="0" anchor="ctr"/>
-            <a:lstStyle/>
-            <a:p>
-              <a:pPr algn="ctr"/>
-              <a:r>
-                <a:rPr lang="en-US" sz="1800" dirty="0" err="1"/>
-                <a:t>Pneu</a:t>
-              </a:r>
-              <a:endParaRPr lang="en-US" sz="1800" dirty="0"/>
-            </a:p>
-            <a:p>
-              <a:pPr algn="ctr"/>
-              <a:r>
-                <a:rPr lang="en-US" sz="1800" dirty="0"/>
-                <a:t>Lab</a:t>
-              </a:r>
-              <a:endParaRPr lang="th-TH" sz="1800" dirty="0"/>
-            </a:p>
-          </p:txBody>
-        </p:sp>
-        <p:sp>
-          <p:nvSpPr>
-            <p:cNvPr id="51" name="Rectangle 50">
-              <a:extLst>
-                <a:ext uri="{FF2B5EF4-FFF2-40B4-BE49-F238E27FC236}">
-                  <a16:creationId xmlns:a16="http://schemas.microsoft.com/office/drawing/2014/main" id="{6B86F24C-4CA7-ACA4-B1EE-949356B3766C}"/>
-                </a:ext>
-              </a:extLst>
-            </p:cNvPr>
-            <p:cNvSpPr/>
-            <p:nvPr/>
-          </p:nvSpPr>
-          <p:spPr>
-            <a:xfrm>
-              <a:off x="2990705" y="3255890"/>
-              <a:ext cx="705725" cy="696651"/>
-            </a:xfrm>
-            <a:prstGeom prst="rect">
-              <a:avLst/>
-            </a:prstGeom>
-            <a:solidFill>
-              <a:schemeClr val="accent5">
-                <a:lumMod val="75000"/>
-              </a:schemeClr>
-            </a:solidFill>
-            <a:ln>
-              <a:noFill/>
-            </a:ln>
-          </p:spPr>
-          <p:style>
-            <a:lnRef idx="3">
-              <a:schemeClr val="lt1"/>
-            </a:lnRef>
-            <a:fillRef idx="1">
-              <a:schemeClr val="accent2"/>
-            </a:fillRef>
-            <a:effectRef idx="1">
-              <a:schemeClr val="accent2"/>
-            </a:effectRef>
-            <a:fontRef idx="minor">
-              <a:schemeClr val="lt1"/>
-            </a:fontRef>
-          </p:style>
-          <p:txBody>
-            <a:bodyPr rtlCol="0" anchor="ctr"/>
-            <a:lstStyle/>
-            <a:p>
-              <a:pPr algn="ctr"/>
-              <a:r>
-                <a:rPr lang="en-US" sz="1800" dirty="0"/>
-                <a:t>413</a:t>
-              </a:r>
-              <a:endParaRPr lang="th-TH" sz="1800" dirty="0"/>
-            </a:p>
-          </p:txBody>
-        </p:sp>
-        <p:sp>
-          <p:nvSpPr>
-            <p:cNvPr id="52" name="Rectangle 51">
-              <a:extLst>
-                <a:ext uri="{FF2B5EF4-FFF2-40B4-BE49-F238E27FC236}">
-                  <a16:creationId xmlns:a16="http://schemas.microsoft.com/office/drawing/2014/main" id="{56C56367-A53D-808D-E421-4EE8B7EE0AC3}"/>
-                </a:ext>
-              </a:extLst>
-            </p:cNvPr>
-            <p:cNvSpPr/>
-            <p:nvPr/>
-          </p:nvSpPr>
-          <p:spPr>
-            <a:xfrm>
-              <a:off x="3691823" y="3261365"/>
-              <a:ext cx="713012" cy="680309"/>
-            </a:xfrm>
-            <a:prstGeom prst="rect">
-              <a:avLst/>
-            </a:prstGeom>
-            <a:solidFill>
-              <a:schemeClr val="accent5">
-                <a:lumMod val="40000"/>
-                <a:lumOff val="60000"/>
-              </a:schemeClr>
-            </a:solidFill>
-            <a:ln>
-              <a:noFill/>
-            </a:ln>
-          </p:spPr>
-          <p:style>
-            <a:lnRef idx="3">
-              <a:schemeClr val="lt1"/>
-            </a:lnRef>
-            <a:fillRef idx="1">
-              <a:schemeClr val="accent2"/>
-            </a:fillRef>
-            <a:effectRef idx="1">
-              <a:schemeClr val="accent2"/>
-            </a:effectRef>
-            <a:fontRef idx="minor">
-              <a:schemeClr val="lt1"/>
-            </a:fontRef>
-          </p:style>
-          <p:txBody>
-            <a:bodyPr rtlCol="0" anchor="ctr"/>
-            <a:lstStyle/>
-            <a:p>
-              <a:pPr algn="ctr"/>
-              <a:r>
-                <a:rPr lang="en-US" sz="1800" dirty="0"/>
-                <a:t>415</a:t>
-              </a:r>
-              <a:endParaRPr lang="th-TH" sz="1800" dirty="0"/>
-            </a:p>
-          </p:txBody>
-        </p:sp>
-        <p:sp>
-          <p:nvSpPr>
-            <p:cNvPr id="53" name="Rectangle 52">
-              <a:extLst>
-                <a:ext uri="{FF2B5EF4-FFF2-40B4-BE49-F238E27FC236}">
-                  <a16:creationId xmlns:a16="http://schemas.microsoft.com/office/drawing/2014/main" id="{1703BD8D-FAF4-4886-8989-EF63973F47E4}"/>
-                </a:ext>
-              </a:extLst>
-            </p:cNvPr>
-            <p:cNvSpPr/>
-            <p:nvPr/>
-          </p:nvSpPr>
-          <p:spPr>
-            <a:xfrm>
-              <a:off x="4353458" y="3931307"/>
-              <a:ext cx="58165" cy="298931"/>
-            </a:xfrm>
-            <a:prstGeom prst="rect">
-              <a:avLst/>
-            </a:prstGeom>
-            <a:solidFill>
-              <a:schemeClr val="accent5">
-                <a:lumMod val="50000"/>
-              </a:schemeClr>
-            </a:solidFill>
-            <a:ln>
-              <a:noFill/>
-            </a:ln>
-          </p:spPr>
-          <p:style>
-            <a:lnRef idx="3">
-              <a:schemeClr val="lt1"/>
-            </a:lnRef>
-            <a:fillRef idx="1">
-              <a:schemeClr val="accent2"/>
-            </a:fillRef>
-            <a:effectRef idx="1">
-              <a:schemeClr val="accent2"/>
-            </a:effectRef>
-            <a:fontRef idx="minor">
-              <a:schemeClr val="lt1"/>
-            </a:fontRef>
-          </p:style>
-          <p:txBody>
-            <a:bodyPr rtlCol="0" anchor="ctr"/>
-            <a:lstStyle/>
-            <a:p>
-              <a:pPr algn="ctr"/>
-              <a:endParaRPr lang="th-TH" sz="1800"/>
-            </a:p>
-          </p:txBody>
-        </p:sp>
-        <p:sp>
-          <p:nvSpPr>
-            <p:cNvPr id="54" name="Rectangle 53">
-              <a:extLst>
-                <a:ext uri="{FF2B5EF4-FFF2-40B4-BE49-F238E27FC236}">
-                  <a16:creationId xmlns:a16="http://schemas.microsoft.com/office/drawing/2014/main" id="{910F2833-142E-B3FA-3554-9A27D834D090}"/>
-                </a:ext>
-              </a:extLst>
-            </p:cNvPr>
-            <p:cNvSpPr/>
-            <p:nvPr/>
-          </p:nvSpPr>
-          <p:spPr>
-            <a:xfrm>
-              <a:off x="4993530" y="5014018"/>
-              <a:ext cx="85153" cy="275809"/>
-            </a:xfrm>
-            <a:prstGeom prst="rect">
-              <a:avLst/>
-            </a:prstGeom>
-            <a:solidFill>
-              <a:schemeClr val="accent5">
-                <a:lumMod val="50000"/>
-              </a:schemeClr>
-            </a:solidFill>
-            <a:ln>
-              <a:noFill/>
-            </a:ln>
-          </p:spPr>
-          <p:style>
-            <a:lnRef idx="3">
-              <a:schemeClr val="lt1"/>
-            </a:lnRef>
-            <a:fillRef idx="1">
-              <a:schemeClr val="accent2"/>
-            </a:fillRef>
-            <a:effectRef idx="1">
-              <a:schemeClr val="accent2"/>
-            </a:effectRef>
-            <a:fontRef idx="minor">
-              <a:schemeClr val="lt1"/>
-            </a:fontRef>
-          </p:style>
-          <p:txBody>
-            <a:bodyPr rtlCol="0" anchor="ctr"/>
-            <a:lstStyle/>
-            <a:p>
-              <a:pPr algn="ctr"/>
-              <a:endParaRPr lang="th-TH" sz="1800"/>
-            </a:p>
-          </p:txBody>
-        </p:sp>
-        <p:sp>
-          <p:nvSpPr>
-            <p:cNvPr id="55" name="Rectangle 54">
-              <a:extLst>
-                <a:ext uri="{FF2B5EF4-FFF2-40B4-BE49-F238E27FC236}">
-                  <a16:creationId xmlns:a16="http://schemas.microsoft.com/office/drawing/2014/main" id="{F31F527E-6534-9A69-3E78-3BF829ADDB7E}"/>
-                </a:ext>
-              </a:extLst>
-            </p:cNvPr>
-            <p:cNvSpPr/>
-            <p:nvPr/>
-          </p:nvSpPr>
-          <p:spPr>
-            <a:xfrm rot="19682726">
-              <a:off x="6075298" y="565388"/>
-              <a:ext cx="405840" cy="372163"/>
-            </a:xfrm>
-            <a:prstGeom prst="rect">
-              <a:avLst/>
-            </a:prstGeom>
-            <a:solidFill>
-              <a:schemeClr val="accent5">
-                <a:lumMod val="75000"/>
-              </a:schemeClr>
-            </a:solidFill>
-            <a:ln>
-              <a:noFill/>
-            </a:ln>
-          </p:spPr>
-          <p:style>
-            <a:lnRef idx="2">
-              <a:schemeClr val="accent4">
-                <a:shade val="15000"/>
-              </a:schemeClr>
-            </a:lnRef>
-            <a:fillRef idx="1">
-              <a:schemeClr val="accent4"/>
-            </a:fillRef>
-            <a:effectRef idx="0">
-              <a:schemeClr val="accent4"/>
-            </a:effectRef>
-            <a:fontRef idx="minor">
-              <a:schemeClr val="lt1"/>
-            </a:fontRef>
-          </p:style>
-          <p:txBody>
-            <a:bodyPr rtlCol="0" anchor="ctr"/>
-            <a:lstStyle/>
-            <a:p>
-              <a:pPr algn="ctr"/>
-              <a:r>
-                <a:rPr lang="en-US" sz="1800" dirty="0"/>
-                <a:t>W</a:t>
-              </a:r>
-              <a:endParaRPr lang="th-TH" sz="1800" dirty="0"/>
-            </a:p>
-          </p:txBody>
-        </p:sp>
-        <p:sp>
-          <p:nvSpPr>
-            <p:cNvPr id="56" name="Rectangle 55">
-              <a:extLst>
-                <a:ext uri="{FF2B5EF4-FFF2-40B4-BE49-F238E27FC236}">
-                  <a16:creationId xmlns:a16="http://schemas.microsoft.com/office/drawing/2014/main" id="{BDBDBC74-62F1-D435-1A22-78258705931D}"/>
-                </a:ext>
-              </a:extLst>
-            </p:cNvPr>
-            <p:cNvSpPr/>
-            <p:nvPr/>
-          </p:nvSpPr>
-          <p:spPr>
-            <a:xfrm rot="19682726">
-              <a:off x="6387413" y="363300"/>
-              <a:ext cx="404072" cy="377017"/>
-            </a:xfrm>
-            <a:prstGeom prst="rect">
-              <a:avLst/>
-            </a:prstGeom>
-            <a:solidFill>
-              <a:srgbClr val="00B050"/>
-            </a:solidFill>
-            <a:ln>
-              <a:noFill/>
-            </a:ln>
-          </p:spPr>
-          <p:style>
-            <a:lnRef idx="2">
-              <a:schemeClr val="accent4">
-                <a:shade val="15000"/>
-              </a:schemeClr>
-            </a:lnRef>
-            <a:fillRef idx="1">
-              <a:schemeClr val="accent4"/>
-            </a:fillRef>
-            <a:effectRef idx="0">
-              <a:schemeClr val="accent4"/>
-            </a:effectRef>
-            <a:fontRef idx="minor">
-              <a:schemeClr val="lt1"/>
-            </a:fontRef>
-          </p:style>
-          <p:txBody>
-            <a:bodyPr rtlCol="0" anchor="ctr"/>
-            <a:lstStyle/>
-            <a:p>
-              <a:pPr algn="ctr"/>
-              <a:r>
-                <a:rPr lang="en-US" sz="1800" dirty="0"/>
-                <a:t>H</a:t>
-              </a:r>
-              <a:endParaRPr lang="th-TH" sz="1800" dirty="0"/>
-            </a:p>
-          </p:txBody>
-        </p:sp>
-        <p:sp>
-          <p:nvSpPr>
-            <p:cNvPr id="57" name="Rectangle 56">
-              <a:extLst>
-                <a:ext uri="{FF2B5EF4-FFF2-40B4-BE49-F238E27FC236}">
-                  <a16:creationId xmlns:a16="http://schemas.microsoft.com/office/drawing/2014/main" id="{9E19B510-8D40-CC3F-43D5-25695A4BF6A5}"/>
-                </a:ext>
-              </a:extLst>
-            </p:cNvPr>
-            <p:cNvSpPr/>
-            <p:nvPr/>
-          </p:nvSpPr>
-          <p:spPr>
-            <a:xfrm rot="19682726">
-              <a:off x="6711283" y="175951"/>
-              <a:ext cx="354870" cy="377017"/>
-            </a:xfrm>
-            <a:prstGeom prst="rect">
-              <a:avLst/>
-            </a:prstGeom>
-            <a:solidFill>
-              <a:srgbClr val="CC9900"/>
-            </a:solidFill>
-            <a:ln>
-              <a:noFill/>
-            </a:ln>
-          </p:spPr>
-          <p:style>
-            <a:lnRef idx="2">
-              <a:schemeClr val="accent4">
-                <a:shade val="15000"/>
-              </a:schemeClr>
-            </a:lnRef>
-            <a:fillRef idx="1">
-              <a:schemeClr val="accent4"/>
-            </a:fillRef>
-            <a:effectRef idx="0">
-              <a:schemeClr val="accent4"/>
-            </a:effectRef>
-            <a:fontRef idx="minor">
-              <a:schemeClr val="lt1"/>
-            </a:fontRef>
-          </p:style>
-          <p:txBody>
-            <a:bodyPr rtlCol="0" anchor="ctr"/>
-            <a:lstStyle/>
-            <a:p>
-              <a:pPr algn="ctr"/>
-              <a:r>
-                <a:rPr lang="en-US" sz="1800" dirty="0"/>
-                <a:t>S</a:t>
+                <a:t>412</a:t>
               </a:r>
               <a:endParaRPr lang="th-TH" sz="1800" dirty="0"/>
             </a:p>
           </p:txBody>
         </p:sp>
       </p:grpSp>
-      <p:sp>
-        <p:nvSpPr>
-          <p:cNvPr id="59" name="Rectangle 58">
-            <a:extLst>
-              <a:ext uri="{FF2B5EF4-FFF2-40B4-BE49-F238E27FC236}">
-                <a16:creationId xmlns:a16="http://schemas.microsoft.com/office/drawing/2014/main" id="{A378565F-F6AF-84AF-1747-0A1F10A7D35C}"/>
-              </a:ext>
-            </a:extLst>
-          </p:cNvPr>
-          <p:cNvSpPr/>
-          <p:nvPr/>
-        </p:nvSpPr>
-        <p:spPr>
-          <a:xfrm>
-            <a:off x="2669824" y="4628262"/>
-            <a:ext cx="721714" cy="424277"/>
-          </a:xfrm>
-          <a:prstGeom prst="rect">
-            <a:avLst/>
-          </a:prstGeom>
-          <a:solidFill>
-            <a:schemeClr val="accent1">
-              <a:lumMod val="50000"/>
-            </a:schemeClr>
-          </a:solidFill>
-          <a:ln>
-            <a:noFill/>
-          </a:ln>
-        </p:spPr>
-        <p:style>
-          <a:lnRef idx="3">
-            <a:schemeClr val="lt1"/>
-          </a:lnRef>
-          <a:fillRef idx="1">
-            <a:schemeClr val="accent2"/>
-          </a:fillRef>
-          <a:effectRef idx="1">
-            <a:schemeClr val="accent2"/>
-          </a:effectRef>
-          <a:fontRef idx="minor">
-            <a:schemeClr val="lt1"/>
-          </a:fontRef>
-        </p:style>
-        <p:txBody>
-          <a:bodyPr rtlCol="0" anchor="ctr"/>
-          <a:lstStyle/>
-          <a:p>
-            <a:pPr algn="ctr"/>
-            <a:r>
-              <a:rPr lang="en-US" sz="1800" dirty="0"/>
-              <a:t>412</a:t>
-            </a:r>
-            <a:endParaRPr lang="th-TH" sz="1800" dirty="0"/>
-          </a:p>
-        </p:txBody>
-      </p:sp>
     </p:spTree>
     <p:extLst>
       <p:ext uri="{BB962C8B-B14F-4D97-AF65-F5344CB8AC3E}">
